--- a/Apresentacao.pptx
+++ b/Apresentacao.pptx
@@ -135,6 +135,7 @@
   <p1510:revLst>
     <p1510:client id="{83112CD6-5B9D-C409-AE09-BEF41EE9AC3F}" v="98" dt="2024-04-24T01:31:36.448"/>
     <p1510:client id="{951E94C4-7853-5508-1AB6-B81E93465317}" v="472" dt="2024-04-24T01:23:54.657"/>
+    <p1510:client id="{B01CC7F2-18C4-D765-FED5-17A65CD6F80B}" v="13" dt="2024-04-24T15:11:03.992"/>
   </p1510:revLst>
 </p1510:revInfo>
 </file>
@@ -233,7 +234,7 @@
           <a:p>
             <a:fld id="{2581520D-BC9A-4B6C-9DDD-705A8C99DD3C}" type="datetimeFigureOut">
               <a:rPr lang="pt-BR" smtClean="0"/>
-              <a:t>23/04/2024</a:t>
+              <a:t>24/04/2024</a:t>
             </a:fld>
             <a:endParaRPr lang="pt-BR"/>
           </a:p>
@@ -411,7 +412,7 @@
           <a:p>
             <a:fld id="{22571BA1-2B4E-46BF-BD13-53D93C89A72F}" type="datetimeFigureOut">
               <a:rPr lang="pt-BR" noProof="0" smtClean="0"/>
-              <a:t>23/04/2024</a:t>
+              <a:t>24/04/2024</a:t>
             </a:fld>
             <a:endParaRPr lang="pt-BR" noProof="0"/>
           </a:p>
@@ -987,7 +988,7 @@
             <a:pPr rtl="0"/>
             <a:fld id="{10624919-4C34-4119-A05F-8BFC584E5F5E}" type="datetime1">
               <a:rPr lang="pt-BR" noProof="0" smtClean="0"/>
-              <a:t>23/04/2024</a:t>
+              <a:t>24/04/2024</a:t>
             </a:fld>
             <a:endParaRPr lang="pt-BR" noProof="0"/>
           </a:p>
@@ -1195,7 +1196,7 @@
             <a:pPr rtl="0"/>
             <a:fld id="{FB787A56-9751-4121-9D1C-726A6C282FF9}" type="datetime1">
               <a:rPr lang="pt-BR" noProof="0" smtClean="0"/>
-              <a:t>23/04/2024</a:t>
+              <a:t>24/04/2024</a:t>
             </a:fld>
             <a:endParaRPr lang="pt-BR" noProof="0"/>
           </a:p>
@@ -1407,7 +1408,7 @@
             <a:pPr rtl="0"/>
             <a:fld id="{58042DDC-7971-43C4-BC81-E859C0125F14}" type="datetime1">
               <a:rPr lang="pt-BR" noProof="0" smtClean="0"/>
-              <a:t>23/04/2024</a:t>
+              <a:t>24/04/2024</a:t>
             </a:fld>
             <a:endParaRPr lang="pt-BR" noProof="0"/>
           </a:p>
@@ -1605,7 +1606,7 @@
             <a:pPr rtl="0"/>
             <a:fld id="{ABEE2F5A-1745-4488-9F87-DF4EC4A83617}" type="datetime1">
               <a:rPr lang="pt-BR" noProof="0" smtClean="0"/>
-              <a:t>23/04/2024</a:t>
+              <a:t>24/04/2024</a:t>
             </a:fld>
             <a:endParaRPr lang="pt-BR" noProof="0"/>
           </a:p>
@@ -1882,7 +1883,7 @@
             <a:pPr rtl="0"/>
             <a:fld id="{CF31E744-D47E-40BB-AD73-C92F9FE48BFF}" type="datetime1">
               <a:rPr lang="pt-BR" noProof="0" smtClean="0"/>
-              <a:t>23/04/2024</a:t>
+              <a:t>24/04/2024</a:t>
             </a:fld>
             <a:endParaRPr lang="pt-BR" noProof="0"/>
           </a:p>
@@ -2146,7 +2147,7 @@
             <a:pPr rtl="0"/>
             <a:fld id="{0E16F1EC-6FFB-4D5C-9C23-2E3413C6CBF2}" type="datetime1">
               <a:rPr lang="pt-BR" noProof="0" smtClean="0"/>
-              <a:t>23/04/2024</a:t>
+              <a:t>24/04/2024</a:t>
             </a:fld>
             <a:endParaRPr lang="pt-BR" noProof="0"/>
           </a:p>
@@ -2558,7 +2559,7 @@
             <a:pPr rtl="0"/>
             <a:fld id="{8BD20E23-6EE4-49F7-B32D-5B7B5E21B84F}" type="datetime1">
               <a:rPr lang="pt-BR" noProof="0" smtClean="0"/>
-              <a:t>23/04/2024</a:t>
+              <a:t>24/04/2024</a:t>
             </a:fld>
             <a:endParaRPr lang="pt-BR" noProof="0"/>
           </a:p>
@@ -2705,7 +2706,7 @@
             <a:pPr rtl="0"/>
             <a:fld id="{7F8B8485-02B3-497A-A58B-E858C6BB4792}" type="datetime1">
               <a:rPr lang="pt-BR" noProof="0" smtClean="0"/>
-              <a:t>23/04/2024</a:t>
+              <a:t>24/04/2024</a:t>
             </a:fld>
             <a:endParaRPr lang="pt-BR" noProof="0"/>
           </a:p>
@@ -2829,7 +2830,7 @@
             <a:pPr rtl="0"/>
             <a:fld id="{276AA06B-93AD-480C-8A93-51E94ECE37ED}" type="datetime1">
               <a:rPr lang="pt-BR" noProof="0" smtClean="0"/>
-              <a:t>23/04/2024</a:t>
+              <a:t>24/04/2024</a:t>
             </a:fld>
             <a:endParaRPr lang="pt-BR" noProof="0"/>
           </a:p>
@@ -3077,7 +3078,7 @@
             <a:pPr rtl="0"/>
             <a:fld id="{C66CF29A-83A2-454C-8E99-488A078D65D5}" type="datetime1">
               <a:rPr lang="pt-BR" noProof="0" smtClean="0"/>
-              <a:t>23/04/2024</a:t>
+              <a:t>24/04/2024</a:t>
             </a:fld>
             <a:endParaRPr lang="pt-BR" noProof="0"/>
           </a:p>
@@ -3520,7 +3521,7 @@
             <a:pPr rtl="0"/>
             <a:fld id="{A9C9F688-EBA5-4CC9-BCB9-A9F4408BC60E}" type="datetime1">
               <a:rPr lang="pt-BR" noProof="0" smtClean="0"/>
-              <a:t>23/04/2024</a:t>
+              <a:t>24/04/2024</a:t>
             </a:fld>
             <a:endParaRPr lang="pt-BR" noProof="0"/>
           </a:p>
@@ -3844,7 +3845,7 @@
             <a:pPr rtl="0"/>
             <a:fld id="{1A15393A-0B41-4699-82CD-A3438F3C08A4}" type="datetime1">
               <a:rPr lang="pt-BR" noProof="0" smtClean="0"/>
-              <a:t>23/04/2024</a:t>
+              <a:t>24/04/2024</a:t>
             </a:fld>
             <a:endParaRPr lang="pt-BR" noProof="0"/>
           </a:p>
@@ -5019,36 +5020,6 @@
       </p:sp>
       <p:pic>
         <p:nvPicPr>
-          <p:cNvPr id="4" name="Imagem 3" descr="Diagrama&#10;&#10;Descrição gerada automaticamente">
-            <a:extLst>
-              <a:ext uri="{FF2B5EF4-FFF2-40B4-BE49-F238E27FC236}">
-                <a16:creationId xmlns:a16="http://schemas.microsoft.com/office/drawing/2014/main" id="{5605165C-43FE-71B5-A2A0-0C8F0DFE1935}"/>
-              </a:ext>
-            </a:extLst>
-          </p:cNvPr>
-          <p:cNvPicPr>
-            <a:picLocks noChangeAspect="1"/>
-          </p:cNvPicPr>
-          <p:nvPr/>
-        </p:nvPicPr>
-        <p:blipFill>
-          <a:blip r:embed="rId3"/>
-          <a:stretch>
-            <a:fillRect/>
-          </a:stretch>
-        </p:blipFill>
-        <p:spPr>
-          <a:xfrm>
-            <a:off x="5451671" y="1116345"/>
-            <a:ext cx="4616325" cy="3866172"/>
-          </a:xfrm>
-          <a:prstGeom prst="rect">
-            <a:avLst/>
-          </a:prstGeom>
-        </p:spPr>
-      </p:pic>
-      <p:pic>
-        <p:nvPicPr>
           <p:cNvPr id="21" name="Picture 20">
             <a:extLst>
               <a:ext uri="{FF2B5EF4-FFF2-40B4-BE49-F238E27FC236}">
@@ -5071,7 +5042,7 @@
           </p:nvPr>
         </p:nvPicPr>
         <p:blipFill rotWithShape="1">
-          <a:blip r:embed="rId4">
+          <a:blip r:embed="rId3">
             <a:extLst>
               <a:ext uri="{28A0092B-C50C-407E-A947-70E740481C1C}">
                 <a14:useLocalDpi xmlns:a14="http://schemas.microsoft.com/office/drawing/2010/main" val="0"/>
@@ -5145,6 +5116,36 @@
           </a:fontRef>
         </p:style>
       </p:cxnSp>
+      <p:pic>
+        <p:nvPicPr>
+          <p:cNvPr id="3" name="Imagem 2" descr="Diagrama&#10;&#10;Descrição gerada automaticamente">
+            <a:extLst>
+              <a:ext uri="{FF2B5EF4-FFF2-40B4-BE49-F238E27FC236}">
+                <a16:creationId xmlns:a16="http://schemas.microsoft.com/office/drawing/2014/main" id="{26D0D002-948F-2D48-29D1-9420C14DE8C6}"/>
+              </a:ext>
+            </a:extLst>
+          </p:cNvPr>
+          <p:cNvPicPr>
+            <a:picLocks noChangeAspect="1"/>
+          </p:cNvPicPr>
+          <p:nvPr/>
+        </p:nvPicPr>
+        <p:blipFill>
+          <a:blip r:embed="rId4"/>
+          <a:stretch>
+            <a:fillRect/>
+          </a:stretch>
+        </p:blipFill>
+        <p:spPr>
+          <a:xfrm>
+            <a:off x="4699455" y="990978"/>
+            <a:ext cx="6143473" cy="4126140"/>
+          </a:xfrm>
+          <a:prstGeom prst="rect">
+            <a:avLst/>
+          </a:prstGeom>
+        </p:spPr>
+      </p:pic>
     </p:spTree>
     <p:extLst>
       <p:ext uri="{BB962C8B-B14F-4D97-AF65-F5344CB8AC3E}">

--- a/Apresentacao.pptx
+++ b/Apresentacao.pptx
@@ -233,7 +233,7 @@
           <a:p>
             <a:fld id="{2581520D-BC9A-4B6C-9DDD-705A8C99DD3C}" type="datetimeFigureOut">
               <a:rPr lang="pt-BR" smtClean="0"/>
-              <a:t>23/04/2024</a:t>
+              <a:t>24/04/2024</a:t>
             </a:fld>
             <a:endParaRPr lang="pt-BR"/>
           </a:p>
@@ -311,7 +311,7 @@
           <a:p>
             <a:fld id="{3932EEDE-5105-4A45-BA6C-4DB0C831D3F9}" type="slidenum">
               <a:rPr lang="pt-BR" smtClean="0"/>
-              <a:t>‹nº›</a:t>
+              <a:t>‹#›</a:t>
             </a:fld>
             <a:endParaRPr lang="pt-BR"/>
           </a:p>
@@ -411,7 +411,7 @@
           <a:p>
             <a:fld id="{22571BA1-2B4E-46BF-BD13-53D93C89A72F}" type="datetimeFigureOut">
               <a:rPr lang="pt-BR" noProof="0" smtClean="0"/>
-              <a:t>23/04/2024</a:t>
+              <a:t>24/04/2024</a:t>
             </a:fld>
             <a:endParaRPr lang="pt-BR" noProof="0"/>
           </a:p>
@@ -569,7 +569,7 @@
           <a:p>
             <a:fld id="{5ADF55CE-C3A6-44B9-AA44-4F04670DDEDD}" type="slidenum">
               <a:rPr lang="pt-BR" noProof="0" smtClean="0"/>
-              <a:t>‹nº›</a:t>
+              <a:t>‹#›</a:t>
             </a:fld>
             <a:endParaRPr lang="pt-BR" noProof="0"/>
           </a:p>
@@ -987,7 +987,7 @@
             <a:pPr rtl="0"/>
             <a:fld id="{10624919-4C34-4119-A05F-8BFC584E5F5E}" type="datetime1">
               <a:rPr lang="pt-BR" noProof="0" smtClean="0"/>
-              <a:t>23/04/2024</a:t>
+              <a:t>24/04/2024</a:t>
             </a:fld>
             <a:endParaRPr lang="pt-BR" noProof="0"/>
           </a:p>
@@ -1041,7 +1041,7 @@
             <a:pPr rtl="0"/>
             <a:fld id="{6D22F896-40B5-4ADD-8801-0D06FADFA095}" type="slidenum">
               <a:rPr lang="pt-BR" noProof="0" smtClean="0"/>
-              <a:t>‹nº›</a:t>
+              <a:t>‹#›</a:t>
             </a:fld>
             <a:endParaRPr lang="pt-BR" noProof="0"/>
           </a:p>
@@ -1195,7 +1195,7 @@
             <a:pPr rtl="0"/>
             <a:fld id="{FB787A56-9751-4121-9D1C-726A6C282FF9}" type="datetime1">
               <a:rPr lang="pt-BR" noProof="0" smtClean="0"/>
-              <a:t>23/04/2024</a:t>
+              <a:t>24/04/2024</a:t>
             </a:fld>
             <a:endParaRPr lang="pt-BR" noProof="0"/>
           </a:p>
@@ -1239,7 +1239,7 @@
             <a:pPr rtl="0"/>
             <a:fld id="{6D22F896-40B5-4ADD-8801-0D06FADFA095}" type="slidenum">
               <a:rPr lang="pt-BR" noProof="0" smtClean="0"/>
-              <a:t>‹nº›</a:t>
+              <a:t>‹#›</a:t>
             </a:fld>
             <a:endParaRPr lang="pt-BR" noProof="0"/>
           </a:p>
@@ -1407,7 +1407,7 @@
             <a:pPr rtl="0"/>
             <a:fld id="{58042DDC-7971-43C4-BC81-E859C0125F14}" type="datetime1">
               <a:rPr lang="pt-BR" noProof="0" smtClean="0"/>
-              <a:t>23/04/2024</a:t>
+              <a:t>24/04/2024</a:t>
             </a:fld>
             <a:endParaRPr lang="pt-BR" noProof="0"/>
           </a:p>
@@ -1451,7 +1451,7 @@
             <a:pPr rtl="0"/>
             <a:fld id="{6D22F896-40B5-4ADD-8801-0D06FADFA095}" type="slidenum">
               <a:rPr lang="pt-BR" noProof="0" smtClean="0"/>
-              <a:t>‹nº›</a:t>
+              <a:t>‹#›</a:t>
             </a:fld>
             <a:endParaRPr lang="pt-BR" noProof="0"/>
           </a:p>
@@ -1605,7 +1605,7 @@
             <a:pPr rtl="0"/>
             <a:fld id="{ABEE2F5A-1745-4488-9F87-DF4EC4A83617}" type="datetime1">
               <a:rPr lang="pt-BR" noProof="0" smtClean="0"/>
-              <a:t>23/04/2024</a:t>
+              <a:t>24/04/2024</a:t>
             </a:fld>
             <a:endParaRPr lang="pt-BR" noProof="0"/>
           </a:p>
@@ -1649,7 +1649,7 @@
             <a:pPr rtl="0"/>
             <a:fld id="{6D22F896-40B5-4ADD-8801-0D06FADFA095}" type="slidenum">
               <a:rPr lang="pt-BR" noProof="0" smtClean="0"/>
-              <a:t>‹nº›</a:t>
+              <a:t>‹#›</a:t>
             </a:fld>
             <a:endParaRPr lang="pt-BR" noProof="0"/>
           </a:p>
@@ -1882,7 +1882,7 @@
             <a:pPr rtl="0"/>
             <a:fld id="{CF31E744-D47E-40BB-AD73-C92F9FE48BFF}" type="datetime1">
               <a:rPr lang="pt-BR" noProof="0" smtClean="0"/>
-              <a:t>23/04/2024</a:t>
+              <a:t>24/04/2024</a:t>
             </a:fld>
             <a:endParaRPr lang="pt-BR" noProof="0"/>
           </a:p>
@@ -1926,7 +1926,7 @@
             <a:pPr rtl="0"/>
             <a:fld id="{6D22F896-40B5-4ADD-8801-0D06FADFA095}" type="slidenum">
               <a:rPr lang="pt-BR" noProof="0" smtClean="0"/>
-              <a:t>‹nº›</a:t>
+              <a:t>‹#›</a:t>
             </a:fld>
             <a:endParaRPr lang="pt-BR" noProof="0"/>
           </a:p>
@@ -2146,7 +2146,7 @@
             <a:pPr rtl="0"/>
             <a:fld id="{0E16F1EC-6FFB-4D5C-9C23-2E3413C6CBF2}" type="datetime1">
               <a:rPr lang="pt-BR" noProof="0" smtClean="0"/>
-              <a:t>23/04/2024</a:t>
+              <a:t>24/04/2024</a:t>
             </a:fld>
             <a:endParaRPr lang="pt-BR" noProof="0"/>
           </a:p>
@@ -2190,7 +2190,7 @@
             <a:pPr rtl="0"/>
             <a:fld id="{6D22F896-40B5-4ADD-8801-0D06FADFA095}" type="slidenum">
               <a:rPr lang="pt-BR" noProof="0" smtClean="0"/>
-              <a:t>‹nº›</a:t>
+              <a:t>‹#›</a:t>
             </a:fld>
             <a:endParaRPr lang="pt-BR" noProof="0"/>
           </a:p>
@@ -2558,7 +2558,7 @@
             <a:pPr rtl="0"/>
             <a:fld id="{8BD20E23-6EE4-49F7-B32D-5B7B5E21B84F}" type="datetime1">
               <a:rPr lang="pt-BR" noProof="0" smtClean="0"/>
-              <a:t>23/04/2024</a:t>
+              <a:t>24/04/2024</a:t>
             </a:fld>
             <a:endParaRPr lang="pt-BR" noProof="0"/>
           </a:p>
@@ -2602,7 +2602,7 @@
             <a:pPr rtl="0"/>
             <a:fld id="{6D22F896-40B5-4ADD-8801-0D06FADFA095}" type="slidenum">
               <a:rPr lang="pt-BR" noProof="0" smtClean="0"/>
-              <a:t>‹nº›</a:t>
+              <a:t>‹#›</a:t>
             </a:fld>
             <a:endParaRPr lang="pt-BR" noProof="0"/>
           </a:p>
@@ -2705,7 +2705,7 @@
             <a:pPr rtl="0"/>
             <a:fld id="{7F8B8485-02B3-497A-A58B-E858C6BB4792}" type="datetime1">
               <a:rPr lang="pt-BR" noProof="0" smtClean="0"/>
-              <a:t>23/04/2024</a:t>
+              <a:t>24/04/2024</a:t>
             </a:fld>
             <a:endParaRPr lang="pt-BR" noProof="0"/>
           </a:p>
@@ -2749,7 +2749,7 @@
             <a:pPr rtl="0"/>
             <a:fld id="{6D22F896-40B5-4ADD-8801-0D06FADFA095}" type="slidenum">
               <a:rPr lang="pt-BR" noProof="0" smtClean="0"/>
-              <a:t>‹nº›</a:t>
+              <a:t>‹#›</a:t>
             </a:fld>
             <a:endParaRPr lang="pt-BR" noProof="0"/>
           </a:p>
@@ -2829,7 +2829,7 @@
             <a:pPr rtl="0"/>
             <a:fld id="{276AA06B-93AD-480C-8A93-51E94ECE37ED}" type="datetime1">
               <a:rPr lang="pt-BR" noProof="0" smtClean="0"/>
-              <a:t>23/04/2024</a:t>
+              <a:t>24/04/2024</a:t>
             </a:fld>
             <a:endParaRPr lang="pt-BR" noProof="0"/>
           </a:p>
@@ -2873,7 +2873,7 @@
             <a:pPr rtl="0"/>
             <a:fld id="{6D22F896-40B5-4ADD-8801-0D06FADFA095}" type="slidenum">
               <a:rPr lang="pt-BR" noProof="0" smtClean="0"/>
-              <a:t>‹nº›</a:t>
+              <a:t>‹#›</a:t>
             </a:fld>
             <a:endParaRPr lang="pt-BR" noProof="0"/>
           </a:p>
@@ -3077,7 +3077,7 @@
             <a:pPr rtl="0"/>
             <a:fld id="{C66CF29A-83A2-454C-8E99-488A078D65D5}" type="datetime1">
               <a:rPr lang="pt-BR" noProof="0" smtClean="0"/>
-              <a:t>23/04/2024</a:t>
+              <a:t>24/04/2024</a:t>
             </a:fld>
             <a:endParaRPr lang="pt-BR" noProof="0"/>
           </a:p>
@@ -3121,7 +3121,7 @@
             <a:pPr rtl="0"/>
             <a:fld id="{6D22F896-40B5-4ADD-8801-0D06FADFA095}" type="slidenum">
               <a:rPr lang="pt-BR" noProof="0" smtClean="0"/>
-              <a:t>‹nº›</a:t>
+              <a:t>‹#›</a:t>
             </a:fld>
             <a:endParaRPr lang="pt-BR" noProof="0"/>
           </a:p>
@@ -3520,7 +3520,7 @@
             <a:pPr rtl="0"/>
             <a:fld id="{A9C9F688-EBA5-4CC9-BCB9-A9F4408BC60E}" type="datetime1">
               <a:rPr lang="pt-BR" noProof="0" smtClean="0"/>
-              <a:t>23/04/2024</a:t>
+              <a:t>24/04/2024</a:t>
             </a:fld>
             <a:endParaRPr lang="pt-BR" noProof="0"/>
           </a:p>
@@ -3569,7 +3569,7 @@
             <a:pPr rtl="0"/>
             <a:fld id="{6D22F896-40B5-4ADD-8801-0D06FADFA095}" type="slidenum">
               <a:rPr lang="pt-BR" noProof="0" smtClean="0"/>
-              <a:t>‹nº›</a:t>
+              <a:t>‹#›</a:t>
             </a:fld>
             <a:endParaRPr lang="pt-BR" noProof="0"/>
           </a:p>
@@ -3844,7 +3844,7 @@
             <a:pPr rtl="0"/>
             <a:fld id="{1A15393A-0B41-4699-82CD-A3438F3C08A4}" type="datetime1">
               <a:rPr lang="pt-BR" noProof="0" smtClean="0"/>
-              <a:t>23/04/2024</a:t>
+              <a:t>24/04/2024</a:t>
             </a:fld>
             <a:endParaRPr lang="pt-BR" noProof="0"/>
           </a:p>
@@ -3923,7 +3923,7 @@
             <a:fld id="{6D22F896-40B5-4ADD-8801-0D06FADFA095}" type="slidenum">
               <a:rPr lang="pt-BR" noProof="0" smtClean="0"/>
               <a:pPr rtl="0"/>
-              <a:t>‹nº›</a:t>
+              <a:t>‹#›</a:t>
             </a:fld>
             <a:endParaRPr lang="pt-BR" noProof="0"/>
           </a:p>
@@ -5574,9 +5574,18 @@
           <a:lstStyle/>
           <a:p>
             <a:r>
-              <a:rPr lang="en-US" sz="3300"/>
-              <a:t>modelagem essencial</a:t>
-            </a:r>
+              <a:rPr lang="en-US" sz="3300" dirty="0" err="1"/>
+              <a:t>modelagem</a:t>
+            </a:r>
+            <a:r>
+              <a:rPr lang="en-US" sz="3300" dirty="0"/>
+              <a:t> </a:t>
+            </a:r>
+            <a:r>
+              <a:rPr lang="en-US" sz="3300" dirty="0" err="1"/>
+              <a:t>essencial</a:t>
+            </a:r>
+            <a:endParaRPr lang="en-US" sz="3300" dirty="0"/>
           </a:p>
         </p:txBody>
       </p:sp>
@@ -5892,38 +5901,6 @@
       </p:sp>
       <p:pic>
         <p:nvPicPr>
-          <p:cNvPr id="7" name="Espaço Reservado para Conteúdo 6" descr="Interface gráfica do usuário&#10;&#10;Descrição gerada automaticamente">
-            <a:extLst>
-              <a:ext uri="{FF2B5EF4-FFF2-40B4-BE49-F238E27FC236}">
-                <a16:creationId xmlns:a16="http://schemas.microsoft.com/office/drawing/2014/main" id="{5C22B665-1394-E411-6AD3-2B1B1890F899}"/>
-              </a:ext>
-            </a:extLst>
-          </p:cNvPr>
-          <p:cNvPicPr>
-            <a:picLocks noGrp="1" noChangeAspect="1"/>
-          </p:cNvPicPr>
-          <p:nvPr>
-            <p:ph idx="1"/>
-          </p:nvPr>
-        </p:nvPicPr>
-        <p:blipFill>
-          <a:blip r:embed="rId3"/>
-          <a:stretch>
-            <a:fillRect/>
-          </a:stretch>
-        </p:blipFill>
-        <p:spPr>
-          <a:xfrm>
-            <a:off x="4874630" y="1116345"/>
-            <a:ext cx="5770406" cy="3866172"/>
-          </a:xfrm>
-          <a:prstGeom prst="rect">
-            <a:avLst/>
-          </a:prstGeom>
-        </p:spPr>
-      </p:pic>
-      <p:pic>
-        <p:nvPicPr>
           <p:cNvPr id="44" name="Picture 31">
             <a:extLst>
               <a:ext uri="{FF2B5EF4-FFF2-40B4-BE49-F238E27FC236}">
@@ -6020,6 +5997,36 @@
           </a:fontRef>
         </p:style>
       </p:cxnSp>
+      <p:pic>
+        <p:nvPicPr>
+          <p:cNvPr id="4" name="Picture 3">
+            <a:extLst>
+              <a:ext uri="{FF2B5EF4-FFF2-40B4-BE49-F238E27FC236}">
+                <a16:creationId xmlns:a16="http://schemas.microsoft.com/office/drawing/2014/main" id="{B91136C0-6D2D-7F0E-EA60-EC59314033A2}"/>
+              </a:ext>
+            </a:extLst>
+          </p:cNvPr>
+          <p:cNvPicPr>
+            <a:picLocks noChangeAspect="1"/>
+          </p:cNvPicPr>
+          <p:nvPr/>
+        </p:nvPicPr>
+        <p:blipFill>
+          <a:blip r:embed="rId3"/>
+          <a:stretch>
+            <a:fillRect/>
+          </a:stretch>
+        </p:blipFill>
+        <p:spPr>
+          <a:xfrm>
+            <a:off x="5295958" y="1154657"/>
+            <a:ext cx="4934639" cy="3781953"/>
+          </a:xfrm>
+          <a:prstGeom prst="rect">
+            <a:avLst/>
+          </a:prstGeom>
+        </p:spPr>
+      </p:pic>
     </p:spTree>
     <p:extLst>
       <p:ext uri="{BB962C8B-B14F-4D97-AF65-F5344CB8AC3E}">
@@ -6982,7 +6989,7 @@
               <a:t>Funcionalidade</a:t>
             </a:r>
             <a:br>
-              <a:rPr lang="en-US" sz="3400"/>
+              <a:rPr lang="en-US" sz="3400" dirty="0"/>
             </a:br>
             <a:r>
               <a:rPr lang="en-US" sz="3400" dirty="0"/>

--- a/Apresentacao.pptx
+++ b/Apresentacao.pptx
@@ -5,22 +5,21 @@
     <p:sldMasterId id="2147483648" r:id="rId1"/>
   </p:sldMasterIdLst>
   <p:notesMasterIdLst>
-    <p:notesMasterId r:id="rId12"/>
+    <p:notesMasterId r:id="rId11"/>
   </p:notesMasterIdLst>
   <p:handoutMasterIdLst>
-    <p:handoutMasterId r:id="rId13"/>
+    <p:handoutMasterId r:id="rId12"/>
   </p:handoutMasterIdLst>
   <p:sldIdLst>
     <p:sldId id="256" r:id="rId2"/>
-    <p:sldId id="265" r:id="rId3"/>
-    <p:sldId id="257" r:id="rId4"/>
-    <p:sldId id="258" r:id="rId5"/>
-    <p:sldId id="259" r:id="rId6"/>
-    <p:sldId id="260" r:id="rId7"/>
-    <p:sldId id="261" r:id="rId8"/>
-    <p:sldId id="262" r:id="rId9"/>
-    <p:sldId id="263" r:id="rId10"/>
-    <p:sldId id="264" r:id="rId11"/>
+    <p:sldId id="257" r:id="rId3"/>
+    <p:sldId id="258" r:id="rId4"/>
+    <p:sldId id="265" r:id="rId5"/>
+    <p:sldId id="260" r:id="rId6"/>
+    <p:sldId id="261" r:id="rId7"/>
+    <p:sldId id="262" r:id="rId8"/>
+    <p:sldId id="263" r:id="rId9"/>
+    <p:sldId id="264" r:id="rId10"/>
   </p:sldIdLst>
   <p:sldSz cx="12192000" cy="6858000"/>
   <p:notesSz cx="6858000" cy="9144000"/>
@@ -755,90 +754,6 @@
     <p:extLst>
       <p:ext uri="{BB962C8B-B14F-4D97-AF65-F5344CB8AC3E}">
         <p14:creationId xmlns:p14="http://schemas.microsoft.com/office/powerpoint/2010/main" val="4101751055"/>
-      </p:ext>
-    </p:extLst>
-  </p:cSld>
-  <p:clrMapOvr>
-    <a:masterClrMapping/>
-  </p:clrMapOvr>
-</p:notes>
-</file>
-
-<file path=ppt/notesSlides/notesSlide2.xml><?xml version="1.0" encoding="utf-8"?>
-<p:notes xmlns:a="http://schemas.openxmlformats.org/drawingml/2006/main" xmlns:r="http://schemas.openxmlformats.org/officeDocument/2006/relationships" xmlns:p="http://schemas.openxmlformats.org/presentationml/2006/main">
-  <p:cSld>
-    <p:spTree>
-      <p:nvGrpSpPr>
-        <p:cNvPr id="1" name=""/>
-        <p:cNvGrpSpPr/>
-        <p:nvPr/>
-      </p:nvGrpSpPr>
-      <p:grpSpPr>
-        <a:xfrm>
-          <a:off x="0" y="0"/>
-          <a:ext cx="0" cy="0"/>
-          <a:chOff x="0" y="0"/>
-          <a:chExt cx="0" cy="0"/>
-        </a:xfrm>
-      </p:grpSpPr>
-      <p:sp>
-        <p:nvSpPr>
-          <p:cNvPr id="2" name="Espaço Reservado para Imagem de Slide 1"/>
-          <p:cNvSpPr>
-            <a:spLocks noGrp="1" noRot="1" noChangeAspect="1"/>
-          </p:cNvSpPr>
-          <p:nvPr>
-            <p:ph type="sldImg"/>
-          </p:nvPr>
-        </p:nvSpPr>
-        <p:spPr/>
-      </p:sp>
-      <p:sp>
-        <p:nvSpPr>
-          <p:cNvPr id="3" name="Espaço Reservado para Anotações 2"/>
-          <p:cNvSpPr>
-            <a:spLocks noGrp="1"/>
-          </p:cNvSpPr>
-          <p:nvPr>
-            <p:ph type="body" idx="1"/>
-          </p:nvPr>
-        </p:nvSpPr>
-        <p:spPr/>
-        <p:txBody>
-          <a:bodyPr/>
-          <a:lstStyle/>
-          <a:p>
-            <a:endParaRPr lang="pt-BR"/>
-          </a:p>
-        </p:txBody>
-      </p:sp>
-      <p:sp>
-        <p:nvSpPr>
-          <p:cNvPr id="4" name="Espaço Reservado para Número de Slide 3"/>
-          <p:cNvSpPr>
-            <a:spLocks noGrp="1"/>
-          </p:cNvSpPr>
-          <p:nvPr>
-            <p:ph type="sldNum" sz="quarter" idx="5"/>
-          </p:nvPr>
-        </p:nvSpPr>
-        <p:spPr/>
-        <p:txBody>
-          <a:bodyPr/>
-          <a:lstStyle/>
-          <a:p>
-            <a:fld id="{5ADF55CE-C3A6-44B9-AA44-4F04670DDEDD}" type="slidenum">
-              <a:rPr lang="pt-BR" smtClean="0"/>
-              <a:t>2</a:t>
-            </a:fld>
-            <a:endParaRPr lang="pt-BR"/>
-          </a:p>
-        </p:txBody>
-      </p:sp>
-    </p:spTree>
-    <p:extLst>
-      <p:ext uri="{BB962C8B-B14F-4D97-AF65-F5344CB8AC3E}">
-        <p14:creationId xmlns:p14="http://schemas.microsoft.com/office/powerpoint/2010/main" val="3334074790"/>
       </p:ext>
     </p:extLst>
   </p:cSld>
@@ -4439,727 +4354,7 @@
 </p:sld>
 </file>
 
-<file path=ppt/slides/slide10.xml><?xml version="1.0" encoding="utf-8"?>
-<p:sld xmlns:a="http://schemas.openxmlformats.org/drawingml/2006/main" xmlns:r="http://schemas.openxmlformats.org/officeDocument/2006/relationships" xmlns:p="http://schemas.openxmlformats.org/presentationml/2006/main">
-  <p:cSld>
-    <p:spTree>
-      <p:nvGrpSpPr>
-        <p:cNvPr id="1" name=""/>
-        <p:cNvGrpSpPr/>
-        <p:nvPr/>
-      </p:nvGrpSpPr>
-      <p:grpSpPr>
-        <a:xfrm>
-          <a:off x="0" y="0"/>
-          <a:ext cx="0" cy="0"/>
-          <a:chOff x="0" y="0"/>
-          <a:chExt cx="0" cy="0"/>
-        </a:xfrm>
-      </p:grpSpPr>
-      <p:sp>
-        <p:nvSpPr>
-          <p:cNvPr id="2" name="Título 1">
-            <a:extLst>
-              <a:ext uri="{FF2B5EF4-FFF2-40B4-BE49-F238E27FC236}">
-                <a16:creationId xmlns:a16="http://schemas.microsoft.com/office/drawing/2014/main" id="{E89D6250-F32D-8646-B8F9-75CED9B71B9A}"/>
-              </a:ext>
-            </a:extLst>
-          </p:cNvPr>
-          <p:cNvSpPr>
-            <a:spLocks noGrp="1"/>
-          </p:cNvSpPr>
-          <p:nvPr>
-            <p:ph type="title"/>
-          </p:nvPr>
-        </p:nvSpPr>
-        <p:spPr>
-          <a:xfrm>
-            <a:off x="5420329" y="2582520"/>
-            <a:ext cx="1337692" cy="1049235"/>
-          </a:xfrm>
-        </p:spPr>
-        <p:txBody>
-          <a:bodyPr>
-            <a:normAutofit/>
-          </a:bodyPr>
-          <a:lstStyle/>
-          <a:p>
-            <a:r>
-              <a:rPr lang="pt-BR" sz="6000" dirty="0"/>
-              <a:t>Fim</a:t>
-            </a:r>
-          </a:p>
-        </p:txBody>
-      </p:sp>
-    </p:spTree>
-    <p:extLst>
-      <p:ext uri="{BB962C8B-B14F-4D97-AF65-F5344CB8AC3E}">
-        <p14:creationId xmlns:p14="http://schemas.microsoft.com/office/powerpoint/2010/main" val="714677676"/>
-      </p:ext>
-    </p:extLst>
-  </p:cSld>
-  <p:clrMapOvr>
-    <a:masterClrMapping/>
-  </p:clrMapOvr>
-</p:sld>
-</file>
-
 <file path=ppt/slides/slide2.xml><?xml version="1.0" encoding="utf-8"?>
-<p:sld xmlns:a="http://schemas.openxmlformats.org/drawingml/2006/main" xmlns:r="http://schemas.openxmlformats.org/officeDocument/2006/relationships" xmlns:p="http://schemas.openxmlformats.org/presentationml/2006/main">
-  <p:cSld>
-    <p:bg>
-      <p:bgPr>
-        <a:gradFill rotWithShape="1">
-          <a:gsLst>
-            <a:gs pos="0">
-              <a:schemeClr val="bg2">
-                <a:tint val="94000"/>
-                <a:satMod val="80000"/>
-                <a:lumMod val="106000"/>
-              </a:schemeClr>
-            </a:gs>
-            <a:gs pos="100000">
-              <a:schemeClr val="bg2">
-                <a:shade val="80000"/>
-              </a:schemeClr>
-            </a:gs>
-          </a:gsLst>
-          <a:path path="circle">
-            <a:fillToRect l="43000" r="43000" b="100000"/>
-          </a:path>
-        </a:gradFill>
-        <a:effectLst/>
-      </p:bgPr>
-    </p:bg>
-    <p:spTree>
-      <p:nvGrpSpPr>
-        <p:cNvPr id="1" name=""/>
-        <p:cNvGrpSpPr/>
-        <p:nvPr/>
-      </p:nvGrpSpPr>
-      <p:grpSpPr>
-        <a:xfrm>
-          <a:off x="0" y="0"/>
-          <a:ext cx="0" cy="0"/>
-          <a:chOff x="0" y="0"/>
-          <a:chExt cx="0" cy="0"/>
-        </a:xfrm>
-      </p:grpSpPr>
-      <p:sp useBgFill="1">
-        <p:nvSpPr>
-          <p:cNvPr id="9" name="Rectangle 8">
-            <a:extLst>
-              <a:ext uri="{FF2B5EF4-FFF2-40B4-BE49-F238E27FC236}">
-                <a16:creationId xmlns:a16="http://schemas.microsoft.com/office/drawing/2014/main" id="{2FA7AD0A-1871-4DF8-9235-F49D0513B9C1}"/>
-              </a:ext>
-              <a:ext uri="{C183D7F6-B498-43B3-948B-1728B52AA6E4}">
-                <adec:decorative xmlns:adec="http://schemas.microsoft.com/office/drawing/2017/decorative" val="1"/>
-              </a:ext>
-            </a:extLst>
-          </p:cNvPr>
-          <p:cNvSpPr>
-            <a:spLocks noGrp="1" noRot="1" noChangeAspect="1" noMove="1" noResize="1" noEditPoints="1" noAdjustHandles="1" noChangeArrowheads="1" noChangeShapeType="1" noTextEdit="1"/>
-          </p:cNvSpPr>
-          <p:nvPr>
-            <p:extLst>
-              <p:ext uri="{386F3935-93C4-4BCD-93E2-E3B085C9AB24}">
-                <p16:designElem xmlns:p16="http://schemas.microsoft.com/office/powerpoint/2015/main" val="1"/>
-              </p:ext>
-            </p:extLst>
-          </p:nvPr>
-        </p:nvSpPr>
-        <p:spPr>
-          <a:xfrm>
-            <a:off x="2" y="0"/>
-            <a:ext cx="12191695" cy="6858000"/>
-          </a:xfrm>
-          <a:prstGeom prst="rect">
-            <a:avLst/>
-          </a:prstGeom>
-          <a:ln>
-            <a:noFill/>
-          </a:ln>
-        </p:spPr>
-        <p:style>
-          <a:lnRef idx="2">
-            <a:schemeClr val="accent1">
-              <a:shade val="50000"/>
-            </a:schemeClr>
-          </a:lnRef>
-          <a:fillRef idx="1">
-            <a:schemeClr val="accent1"/>
-          </a:fillRef>
-          <a:effectRef idx="0">
-            <a:schemeClr val="accent1"/>
-          </a:effectRef>
-          <a:fontRef idx="minor">
-            <a:schemeClr val="lt1"/>
-          </a:fontRef>
-        </p:style>
-        <p:txBody>
-          <a:bodyPr rtlCol="0" anchor="ctr"/>
-          <a:lstStyle/>
-          <a:p>
-            <a:pPr algn="ctr"/>
-            <a:endParaRPr lang="en-US"/>
-          </a:p>
-        </p:txBody>
-      </p:sp>
-      <p:sp>
-        <p:nvSpPr>
-          <p:cNvPr id="11" name="Rectangle 10">
-            <a:extLst>
-              <a:ext uri="{FF2B5EF4-FFF2-40B4-BE49-F238E27FC236}">
-                <a16:creationId xmlns:a16="http://schemas.microsoft.com/office/drawing/2014/main" id="{36B04CFB-FAE5-47DD-9B3E-4E9BA7A89CC1}"/>
-              </a:ext>
-              <a:ext uri="{C183D7F6-B498-43B3-948B-1728B52AA6E4}">
-                <adec:decorative xmlns:adec="http://schemas.microsoft.com/office/drawing/2017/decorative" val="1"/>
-              </a:ext>
-            </a:extLst>
-          </p:cNvPr>
-          <p:cNvSpPr>
-            <a:spLocks noGrp="1" noRot="1" noChangeAspect="1" noMove="1" noResize="1" noEditPoints="1" noAdjustHandles="1" noChangeArrowheads="1" noChangeShapeType="1" noTextEdit="1"/>
-          </p:cNvSpPr>
-          <p:nvPr>
-            <p:extLst>
-              <p:ext uri="{386F3935-93C4-4BCD-93E2-E3B085C9AB24}">
-                <p16:designElem xmlns:p16="http://schemas.microsoft.com/office/powerpoint/2015/main" val="1"/>
-              </p:ext>
-            </p:extLst>
-          </p:nvPr>
-        </p:nvSpPr>
-        <p:spPr>
-          <a:xfrm>
-            <a:off x="0" y="2019476"/>
-            <a:ext cx="12192000" cy="4105941"/>
-          </a:xfrm>
-          <a:prstGeom prst="rect">
-            <a:avLst/>
-          </a:prstGeom>
-          <a:gradFill flip="none" rotWithShape="1">
-            <a:gsLst>
-              <a:gs pos="0">
-                <a:schemeClr val="bg2">
-                  <a:alpha val="0"/>
-                </a:schemeClr>
-              </a:gs>
-              <a:gs pos="100000">
-                <a:schemeClr val="bg2"/>
-              </a:gs>
-            </a:gsLst>
-            <a:lin ang="5400000" scaled="0"/>
-            <a:tileRect/>
-          </a:gradFill>
-          <a:ln>
-            <a:noFill/>
-          </a:ln>
-        </p:spPr>
-        <p:style>
-          <a:lnRef idx="2">
-            <a:schemeClr val="accent1">
-              <a:shade val="50000"/>
-            </a:schemeClr>
-          </a:lnRef>
-          <a:fillRef idx="1">
-            <a:schemeClr val="accent1"/>
-          </a:fillRef>
-          <a:effectRef idx="0">
-            <a:schemeClr val="accent1"/>
-          </a:effectRef>
-          <a:fontRef idx="minor">
-            <a:schemeClr val="lt1"/>
-          </a:fontRef>
-        </p:style>
-        <p:txBody>
-          <a:bodyPr rtlCol="0" anchor="ctr"/>
-          <a:lstStyle/>
-          <a:p>
-            <a:pPr lvl="0" algn="ctr"/>
-            <a:endParaRPr lang="en-US"/>
-          </a:p>
-        </p:txBody>
-      </p:sp>
-      <p:sp>
-        <p:nvSpPr>
-          <p:cNvPr id="2" name="Título 1"/>
-          <p:cNvSpPr>
-            <a:spLocks noGrp="1"/>
-          </p:cNvSpPr>
-          <p:nvPr>
-            <p:ph type="ctrTitle"/>
-          </p:nvPr>
-        </p:nvSpPr>
-        <p:spPr>
-          <a:xfrm>
-            <a:off x="659301" y="1474969"/>
-            <a:ext cx="2823919" cy="1868760"/>
-          </a:xfrm>
-        </p:spPr>
-        <p:txBody>
-          <a:bodyPr rtlCol="0">
-            <a:normAutofit/>
-          </a:bodyPr>
-          <a:lstStyle/>
-          <a:p>
-            <a:r>
-              <a:rPr lang="pt-BR" sz="3600"/>
-              <a:t>Caso de USO</a:t>
-            </a:r>
-          </a:p>
-        </p:txBody>
-      </p:sp>
-      <p:cxnSp>
-        <p:nvCxnSpPr>
-          <p:cNvPr id="13" name="Straight Connector 12">
-            <a:extLst>
-              <a:ext uri="{FF2B5EF4-FFF2-40B4-BE49-F238E27FC236}">
-                <a16:creationId xmlns:a16="http://schemas.microsoft.com/office/drawing/2014/main" id="{EE68D41B-9286-479F-9AB7-678C8E348D71}"/>
-              </a:ext>
-              <a:ext uri="{C183D7F6-B498-43B3-948B-1728B52AA6E4}">
-                <adec:decorative xmlns:adec="http://schemas.microsoft.com/office/drawing/2017/decorative" val="1"/>
-              </a:ext>
-            </a:extLst>
-          </p:cNvPr>
-          <p:cNvCxnSpPr>
-            <a:cxnSpLocks noGrp="1" noRot="1" noChangeAspect="1" noMove="1" noResize="1" noEditPoints="1" noAdjustHandles="1" noChangeArrowheads="1" noChangeShapeType="1"/>
-          </p:cNvCxnSpPr>
-          <p:nvPr>
-            <p:extLst>
-              <p:ext uri="{386F3935-93C4-4BCD-93E2-E3B085C9AB24}">
-                <p16:designElem xmlns:p16="http://schemas.microsoft.com/office/powerpoint/2015/main" val="1"/>
-              </p:ext>
-            </p:extLst>
-          </p:nvPr>
-        </p:nvCxnSpPr>
-        <p:spPr>
-          <a:xfrm>
-            <a:off x="659301" y="3528543"/>
-            <a:ext cx="2823919" cy="0"/>
-          </a:xfrm>
-          <a:prstGeom prst="line">
-            <a:avLst/>
-          </a:prstGeom>
-          <a:ln w="31750"/>
-        </p:spPr>
-        <p:style>
-          <a:lnRef idx="3">
-            <a:schemeClr val="accent1"/>
-          </a:lnRef>
-          <a:fillRef idx="0">
-            <a:schemeClr val="accent1"/>
-          </a:fillRef>
-          <a:effectRef idx="2">
-            <a:schemeClr val="accent1"/>
-          </a:effectRef>
-          <a:fontRef idx="minor">
-            <a:schemeClr val="tx1"/>
-          </a:fontRef>
-        </p:style>
-      </p:cxnSp>
-      <p:grpSp>
-        <p:nvGrpSpPr>
-          <p:cNvPr id="15" name="Group 14">
-            <a:extLst>
-              <a:ext uri="{FF2B5EF4-FFF2-40B4-BE49-F238E27FC236}">
-                <a16:creationId xmlns:a16="http://schemas.microsoft.com/office/drawing/2014/main" id="{E8ACF89C-CFC3-4D68-B3C4-2BEFB7BBE5F7}"/>
-              </a:ext>
-              <a:ext uri="{C183D7F6-B498-43B3-948B-1728B52AA6E4}">
-                <adec:decorative xmlns:adec="http://schemas.microsoft.com/office/drawing/2017/decorative" val="1"/>
-              </a:ext>
-            </a:extLst>
-          </p:cNvPr>
-          <p:cNvGrpSpPr>
-            <a:grpSpLocks noGrp="1" noUngrp="1" noRot="1" noChangeAspect="1" noMove="1" noResize="1"/>
-          </p:cNvGrpSpPr>
-          <p:nvPr>
-            <p:extLst>
-              <p:ext uri="{386F3935-93C4-4BCD-93E2-E3B085C9AB24}">
-                <p16:designElem xmlns:p16="http://schemas.microsoft.com/office/powerpoint/2015/main" val="1"/>
-              </p:ext>
-            </p:extLst>
-          </p:nvPr>
-        </p:nvGrpSpPr>
-        <p:grpSpPr>
-          <a:xfrm>
-            <a:off x="3979389" y="482171"/>
-            <a:ext cx="7560115" cy="5149101"/>
-            <a:chOff x="3979389" y="482171"/>
-            <a:chExt cx="7560115" cy="5149101"/>
-          </a:xfrm>
-        </p:grpSpPr>
-        <p:sp>
-          <p:nvSpPr>
-            <p:cNvPr id="16" name="Rectangle 15">
-              <a:extLst>
-                <a:ext uri="{FF2B5EF4-FFF2-40B4-BE49-F238E27FC236}">
-                  <a16:creationId xmlns:a16="http://schemas.microsoft.com/office/drawing/2014/main" id="{3B770B7D-3C5C-4682-8DF0-20783592F3B6}"/>
-                </a:ext>
-                <a:ext uri="{C183D7F6-B498-43B3-948B-1728B52AA6E4}">
-                  <adec:decorative xmlns:adec="http://schemas.microsoft.com/office/drawing/2017/decorative" val="1"/>
-                </a:ext>
-              </a:extLst>
-            </p:cNvPr>
-            <p:cNvSpPr/>
-            <p:nvPr>
-              <p:extLst>
-                <p:ext uri="{386F3935-93C4-4BCD-93E2-E3B085C9AB24}">
-                  <p16:designElem xmlns:p16="http://schemas.microsoft.com/office/powerpoint/2015/main" val="1"/>
-                </p:ext>
-              </p:extLst>
-            </p:nvPr>
-          </p:nvSpPr>
-          <p:spPr>
-            <a:xfrm>
-              <a:off x="3979389" y="482171"/>
-              <a:ext cx="7560115" cy="5149101"/>
-            </a:xfrm>
-            <a:prstGeom prst="rect">
-              <a:avLst/>
-            </a:prstGeom>
-            <a:gradFill>
-              <a:gsLst>
-                <a:gs pos="0">
-                  <a:srgbClr val="000001"/>
-                </a:gs>
-                <a:gs pos="100000">
-                  <a:srgbClr val="191919"/>
-                </a:gs>
-              </a:gsLst>
-            </a:gradFill>
-            <a:ln w="76200" cmpd="sng">
-              <a:noFill/>
-              <a:miter lim="800000"/>
-            </a:ln>
-            <a:effectLst>
-              <a:outerShdw blurRad="127000" dist="228600" dir="4740000" sx="98000" sy="98000" algn="tl" rotWithShape="0">
-                <a:srgbClr val="000000">
-                  <a:alpha val="34000"/>
-                </a:srgbClr>
-              </a:outerShdw>
-            </a:effectLst>
-            <a:scene3d>
-              <a:camera prst="orthographicFront"/>
-              <a:lightRig rig="threePt" dir="t"/>
-            </a:scene3d>
-            <a:sp3d>
-              <a:bevelT w="152400" h="50800" prst="softRound"/>
-            </a:sp3d>
-          </p:spPr>
-          <p:style>
-            <a:lnRef idx="1">
-              <a:schemeClr val="accent1"/>
-            </a:lnRef>
-            <a:fillRef idx="3">
-              <a:schemeClr val="accent1"/>
-            </a:fillRef>
-            <a:effectRef idx="2">
-              <a:schemeClr val="accent1"/>
-            </a:effectRef>
-            <a:fontRef idx="minor">
-              <a:schemeClr val="lt1"/>
-            </a:fontRef>
-          </p:style>
-          <p:txBody>
-            <a:bodyPr rtlCol="0" anchor="ctr"/>
-            <a:lstStyle/>
-            <a:p>
-              <a:pPr algn="ctr"/>
-              <a:endParaRPr lang="en-US"/>
-            </a:p>
-          </p:txBody>
-        </p:sp>
-        <p:sp>
-          <p:nvSpPr>
-            <p:cNvPr id="17" name="Rectangle 16">
-              <a:extLst>
-                <a:ext uri="{FF2B5EF4-FFF2-40B4-BE49-F238E27FC236}">
-                  <a16:creationId xmlns:a16="http://schemas.microsoft.com/office/drawing/2014/main" id="{A6893E11-7EC1-4EB6-A2A8-0B693F8FE576}"/>
-                </a:ext>
-                <a:ext uri="{C183D7F6-B498-43B3-948B-1728B52AA6E4}">
-                  <adec:decorative xmlns:adec="http://schemas.microsoft.com/office/drawing/2017/decorative" val="1"/>
-                </a:ext>
-              </a:extLst>
-            </p:cNvPr>
-            <p:cNvSpPr/>
-            <p:nvPr>
-              <p:extLst>
-                <p:ext uri="{386F3935-93C4-4BCD-93E2-E3B085C9AB24}">
-                  <p16:designElem xmlns:p16="http://schemas.microsoft.com/office/powerpoint/2015/main" val="1"/>
-                </p:ext>
-              </p:extLst>
-            </p:nvPr>
-          </p:nvSpPr>
-          <p:spPr>
-            <a:xfrm>
-              <a:off x="4292448" y="812507"/>
-              <a:ext cx="6928279" cy="4466452"/>
-            </a:xfrm>
-            <a:prstGeom prst="rect">
-              <a:avLst/>
-            </a:prstGeom>
-            <a:gradFill>
-              <a:gsLst>
-                <a:gs pos="0">
-                  <a:srgbClr val="DADADA"/>
-                </a:gs>
-                <a:gs pos="100000">
-                  <a:srgbClr val="FFFFFE"/>
-                </a:gs>
-              </a:gsLst>
-              <a:lin ang="16200000" scaled="0"/>
-            </a:gradFill>
-            <a:ln w="50800" cmpd="sng">
-              <a:solidFill>
-                <a:srgbClr val="191919"/>
-              </a:solidFill>
-              <a:miter lim="800000"/>
-            </a:ln>
-            <a:effectLst>
-              <a:innerShdw blurRad="63500" dist="88900" dir="14100000">
-                <a:srgbClr val="000000">
-                  <a:alpha val="30000"/>
-                </a:srgbClr>
-              </a:innerShdw>
-            </a:effectLst>
-            <a:scene3d>
-              <a:camera prst="orthographicFront"/>
-              <a:lightRig rig="threePt" dir="t"/>
-            </a:scene3d>
-            <a:sp3d>
-              <a:bevelT prst="relaxedInset"/>
-            </a:sp3d>
-          </p:spPr>
-          <p:style>
-            <a:lnRef idx="1">
-              <a:schemeClr val="accent1"/>
-            </a:lnRef>
-            <a:fillRef idx="3">
-              <a:schemeClr val="accent1"/>
-            </a:fillRef>
-            <a:effectRef idx="2">
-              <a:schemeClr val="accent1"/>
-            </a:effectRef>
-            <a:fontRef idx="minor">
-              <a:schemeClr val="lt1"/>
-            </a:fontRef>
-          </p:style>
-          <p:txBody>
-            <a:bodyPr rtlCol="0" anchor="ctr"/>
-            <a:lstStyle/>
-            <a:p>
-              <a:pPr algn="ctr"/>
-              <a:endParaRPr lang="en-US"/>
-            </a:p>
-          </p:txBody>
-        </p:sp>
-      </p:grpSp>
-      <p:sp>
-        <p:nvSpPr>
-          <p:cNvPr id="19" name="Rectangle 18">
-            <a:extLst>
-              <a:ext uri="{FF2B5EF4-FFF2-40B4-BE49-F238E27FC236}">
-                <a16:creationId xmlns:a16="http://schemas.microsoft.com/office/drawing/2014/main" id="{622F7FD7-8884-4FD5-95AB-0B5C6033ADF7}"/>
-              </a:ext>
-              <a:ext uri="{C183D7F6-B498-43B3-948B-1728B52AA6E4}">
-                <adec:decorative xmlns:adec="http://schemas.microsoft.com/office/drawing/2017/decorative" val="1"/>
-              </a:ext>
-            </a:extLst>
-          </p:cNvPr>
-          <p:cNvSpPr>
-            <a:spLocks noGrp="1" noRot="1" noChangeAspect="1" noMove="1" noResize="1" noEditPoints="1" noAdjustHandles="1" noChangeArrowheads="1" noChangeShapeType="1" noTextEdit="1"/>
-          </p:cNvSpPr>
-          <p:nvPr>
-            <p:extLst>
-              <p:ext uri="{386F3935-93C4-4BCD-93E2-E3B085C9AB24}">
-                <p16:designElem xmlns:p16="http://schemas.microsoft.com/office/powerpoint/2015/main" val="1"/>
-              </p:ext>
-            </p:extLst>
-          </p:nvPr>
-        </p:nvSpPr>
-        <p:spPr>
-          <a:xfrm>
-            <a:off x="4455487" y="977965"/>
-            <a:ext cx="6615582" cy="4135339"/>
-          </a:xfrm>
-          <a:prstGeom prst="rect">
-            <a:avLst/>
-          </a:prstGeom>
-          <a:solidFill>
-            <a:schemeClr val="bg1"/>
-          </a:solidFill>
-          <a:ln w="6350">
-            <a:solidFill>
-              <a:schemeClr val="bg2"/>
-            </a:solidFill>
-          </a:ln>
-        </p:spPr>
-        <p:style>
-          <a:lnRef idx="2">
-            <a:schemeClr val="accent1">
-              <a:shade val="50000"/>
-            </a:schemeClr>
-          </a:lnRef>
-          <a:fillRef idx="1">
-            <a:schemeClr val="accent1"/>
-          </a:fillRef>
-          <a:effectRef idx="0">
-            <a:schemeClr val="accent1"/>
-          </a:effectRef>
-          <a:fontRef idx="minor">
-            <a:schemeClr val="lt1"/>
-          </a:fontRef>
-        </p:style>
-        <p:txBody>
-          <a:bodyPr rtlCol="0" anchor="ctr"/>
-          <a:lstStyle/>
-          <a:p>
-            <a:pPr algn="ctr"/>
-            <a:endParaRPr lang="en-US"/>
-          </a:p>
-        </p:txBody>
-      </p:sp>
-      <p:pic>
-        <p:nvPicPr>
-          <p:cNvPr id="21" name="Picture 20">
-            <a:extLst>
-              <a:ext uri="{FF2B5EF4-FFF2-40B4-BE49-F238E27FC236}">
-                <a16:creationId xmlns:a16="http://schemas.microsoft.com/office/drawing/2014/main" id="{16EFE474-4FE0-4E8F-8F09-5ED2C9E76A84}"/>
-              </a:ext>
-              <a:ext uri="{C183D7F6-B498-43B3-948B-1728B52AA6E4}">
-                <adec:decorative xmlns:adec="http://schemas.microsoft.com/office/drawing/2017/decorative" val="1"/>
-              </a:ext>
-            </a:extLst>
-          </p:cNvPr>
-          <p:cNvPicPr>
-            <a:picLocks noGrp="1" noRot="1" noChangeAspect="1" noMove="1" noResize="1" noEditPoints="1" noAdjustHandles="1" noChangeArrowheads="1" noChangeShapeType="1" noCrop="1"/>
-          </p:cNvPicPr>
-          <p:nvPr>
-            <p:extLst>
-              <p:ext uri="{386F3935-93C4-4BCD-93E2-E3B085C9AB24}">
-                <p16:designElem xmlns:p16="http://schemas.microsoft.com/office/powerpoint/2015/main" val="1"/>
-              </p:ext>
-            </p:extLst>
-          </p:nvPr>
-        </p:nvPicPr>
-        <p:blipFill rotWithShape="1">
-          <a:blip r:embed="rId3">
-            <a:extLst>
-              <a:ext uri="{28A0092B-C50C-407E-A947-70E740481C1C}">
-                <a14:useLocalDpi xmlns:a14="http://schemas.microsoft.com/office/drawing/2010/main" val="0"/>
-              </a:ext>
-            </a:extLst>
-          </a:blip>
-          <a:srcRect t="1538" b="-1538"/>
-          <a:stretch/>
-        </p:blipFill>
-        <p:spPr bwMode="black">
-          <a:xfrm>
-            <a:off x="0" y="6126480"/>
-            <a:ext cx="12192000" cy="742950"/>
-          </a:xfrm>
-          <a:prstGeom prst="rect">
-            <a:avLst/>
-          </a:prstGeom>
-        </p:spPr>
-      </p:pic>
-      <p:cxnSp>
-        <p:nvCxnSpPr>
-          <p:cNvPr id="23" name="Straight Connector 22">
-            <a:extLst>
-              <a:ext uri="{FF2B5EF4-FFF2-40B4-BE49-F238E27FC236}">
-                <a16:creationId xmlns:a16="http://schemas.microsoft.com/office/drawing/2014/main" id="{CF8B8C81-54DC-4AF5-B682-3A2C70A6B55C}"/>
-              </a:ext>
-              <a:ext uri="{C183D7F6-B498-43B3-948B-1728B52AA6E4}">
-                <adec:decorative xmlns:adec="http://schemas.microsoft.com/office/drawing/2017/decorative" val="1"/>
-              </a:ext>
-            </a:extLst>
-          </p:cNvPr>
-          <p:cNvCxnSpPr>
-            <a:cxnSpLocks noGrp="1" noRot="1" noChangeAspect="1" noMove="1" noResize="1" noEditPoints="1" noAdjustHandles="1" noChangeArrowheads="1" noChangeShapeType="1"/>
-          </p:cNvCxnSpPr>
-          <p:nvPr>
-            <p:extLst>
-              <p:ext uri="{386F3935-93C4-4BCD-93E2-E3B085C9AB24}">
-                <p16:designElem xmlns:p16="http://schemas.microsoft.com/office/powerpoint/2015/main" val="1"/>
-              </p:ext>
-            </p:extLst>
-          </p:nvPr>
-        </p:nvCxnSpPr>
-        <p:spPr>
-          <a:xfrm>
-            <a:off x="0" y="6128413"/>
-            <a:ext cx="12192000" cy="0"/>
-          </a:xfrm>
-          <a:prstGeom prst="line">
-            <a:avLst/>
-          </a:prstGeom>
-          <a:ln w="12700">
-            <a:solidFill>
-              <a:srgbClr val="000001">
-                <a:alpha val="20000"/>
-              </a:srgbClr>
-            </a:solidFill>
-          </a:ln>
-        </p:spPr>
-        <p:style>
-          <a:lnRef idx="1">
-            <a:schemeClr val="accent1"/>
-          </a:lnRef>
-          <a:fillRef idx="0">
-            <a:schemeClr val="accent1"/>
-          </a:fillRef>
-          <a:effectRef idx="0">
-            <a:schemeClr val="accent1"/>
-          </a:effectRef>
-          <a:fontRef idx="minor">
-            <a:schemeClr val="tx1"/>
-          </a:fontRef>
-        </p:style>
-      </p:cxnSp>
-      <p:pic>
-        <p:nvPicPr>
-          <p:cNvPr id="3" name="Imagem 2" descr="Diagrama&#10;&#10;Descrição gerada automaticamente">
-            <a:extLst>
-              <a:ext uri="{FF2B5EF4-FFF2-40B4-BE49-F238E27FC236}">
-                <a16:creationId xmlns:a16="http://schemas.microsoft.com/office/drawing/2014/main" id="{26D0D002-948F-2D48-29D1-9420C14DE8C6}"/>
-              </a:ext>
-            </a:extLst>
-          </p:cNvPr>
-          <p:cNvPicPr>
-            <a:picLocks noChangeAspect="1"/>
-          </p:cNvPicPr>
-          <p:nvPr/>
-        </p:nvPicPr>
-        <p:blipFill>
-          <a:blip r:embed="rId4"/>
-          <a:stretch>
-            <a:fillRect/>
-          </a:stretch>
-        </p:blipFill>
-        <p:spPr>
-          <a:xfrm>
-            <a:off x="4699455" y="990978"/>
-            <a:ext cx="6143473" cy="4126140"/>
-          </a:xfrm>
-          <a:prstGeom prst="rect">
-            <a:avLst/>
-          </a:prstGeom>
-        </p:spPr>
-      </p:pic>
-    </p:spTree>
-    <p:extLst>
-      <p:ext uri="{BB962C8B-B14F-4D97-AF65-F5344CB8AC3E}">
-        <p14:creationId xmlns:p14="http://schemas.microsoft.com/office/powerpoint/2010/main" val="3245330838"/>
-      </p:ext>
-    </p:extLst>
-  </p:cSld>
-  <p:clrMapOvr>
-    <a:masterClrMapping/>
-  </p:clrMapOvr>
-</p:sld>
-</file>
-
-<file path=ppt/slides/slide3.xml><?xml version="1.0" encoding="utf-8"?>
 <p:sld xmlns:a="http://schemas.openxmlformats.org/drawingml/2006/main" xmlns:r="http://schemas.openxmlformats.org/officeDocument/2006/relationships" xmlns:p="http://schemas.openxmlformats.org/presentationml/2006/main">
   <p:cSld>
     <p:bg>
@@ -5991,10 +5186,10 @@
       </p:cxnSp>
       <p:pic>
         <p:nvPicPr>
-          <p:cNvPr id="5" name="Picture 4">
+          <p:cNvPr id="4" name="Picture 3" descr="A diagram of a data flow&#10;&#10;Description automatically generated">
             <a:extLst>
               <a:ext uri="{FF2B5EF4-FFF2-40B4-BE49-F238E27FC236}">
-                <a16:creationId xmlns:a16="http://schemas.microsoft.com/office/drawing/2014/main" id="{2BEA7921-9B83-2D83-981E-9AE9DCCEDDEB}"/>
+                <a16:creationId xmlns:a16="http://schemas.microsoft.com/office/drawing/2014/main" id="{1748EB3C-AA77-7D40-D081-037D6E67A114}"/>
               </a:ext>
             </a:extLst>
           </p:cNvPr>
@@ -6011,8 +5206,8 @@
         </p:blipFill>
         <p:spPr>
           <a:xfrm>
-            <a:off x="5295958" y="1154657"/>
-            <a:ext cx="4934639" cy="3781953"/>
+            <a:off x="5361049" y="1193021"/>
+            <a:ext cx="5343525" cy="3705225"/>
           </a:xfrm>
           <a:prstGeom prst="rect">
             <a:avLst/>
@@ -6023,6 +5218,527 @@
     <p:extLst>
       <p:ext uri="{BB962C8B-B14F-4D97-AF65-F5344CB8AC3E}">
         <p14:creationId xmlns:p14="http://schemas.microsoft.com/office/powerpoint/2010/main" val="879549687"/>
+      </p:ext>
+    </p:extLst>
+  </p:cSld>
+  <p:clrMapOvr>
+    <a:masterClrMapping/>
+  </p:clrMapOvr>
+</p:sld>
+</file>
+
+<file path=ppt/slides/slide3.xml><?xml version="1.0" encoding="utf-8"?>
+<p:sld xmlns:a="http://schemas.openxmlformats.org/drawingml/2006/main" xmlns:r="http://schemas.openxmlformats.org/officeDocument/2006/relationships" xmlns:p="http://schemas.openxmlformats.org/presentationml/2006/main">
+  <p:cSld>
+    <p:bg>
+      <p:bgPr>
+        <a:gradFill rotWithShape="1">
+          <a:gsLst>
+            <a:gs pos="0">
+              <a:schemeClr val="bg2">
+                <a:tint val="94000"/>
+                <a:satMod val="80000"/>
+                <a:lumMod val="106000"/>
+              </a:schemeClr>
+            </a:gs>
+            <a:gs pos="100000">
+              <a:schemeClr val="bg2">
+                <a:shade val="80000"/>
+              </a:schemeClr>
+            </a:gs>
+          </a:gsLst>
+          <a:path path="circle">
+            <a:fillToRect l="43000" r="43000" b="100000"/>
+          </a:path>
+        </a:gradFill>
+        <a:effectLst/>
+      </p:bgPr>
+    </p:bg>
+    <p:spTree>
+      <p:nvGrpSpPr>
+        <p:cNvPr id="1" name=""/>
+        <p:cNvGrpSpPr/>
+        <p:nvPr/>
+      </p:nvGrpSpPr>
+      <p:grpSpPr>
+        <a:xfrm>
+          <a:off x="0" y="0"/>
+          <a:ext cx="0" cy="0"/>
+          <a:chOff x="0" y="0"/>
+          <a:chExt cx="0" cy="0"/>
+        </a:xfrm>
+      </p:grpSpPr>
+      <p:sp useBgFill="1">
+        <p:nvSpPr>
+          <p:cNvPr id="9" name="Rectangle 8">
+            <a:extLst>
+              <a:ext uri="{FF2B5EF4-FFF2-40B4-BE49-F238E27FC236}">
+                <a16:creationId xmlns:a16="http://schemas.microsoft.com/office/drawing/2014/main" id="{7BEFDA1A-2A01-4C29-A5D0-AE6F050D07DF}"/>
+              </a:ext>
+              <a:ext uri="{C183D7F6-B498-43B3-948B-1728B52AA6E4}">
+                <adec:decorative xmlns:adec="http://schemas.microsoft.com/office/drawing/2017/decorative" val="1"/>
+              </a:ext>
+            </a:extLst>
+          </p:cNvPr>
+          <p:cNvSpPr>
+            <a:spLocks noGrp="1" noRot="1" noChangeAspect="1" noMove="1" noResize="1" noEditPoints="1" noAdjustHandles="1" noChangeArrowheads="1" noChangeShapeType="1" noTextEdit="1"/>
+          </p:cNvSpPr>
+          <p:nvPr>
+            <p:extLst>
+              <p:ext uri="{386F3935-93C4-4BCD-93E2-E3B085C9AB24}">
+                <p16:designElem xmlns:p16="http://schemas.microsoft.com/office/powerpoint/2015/main" val="1"/>
+              </p:ext>
+            </p:extLst>
+          </p:nvPr>
+        </p:nvSpPr>
+        <p:spPr>
+          <a:xfrm>
+            <a:off x="2" y="0"/>
+            <a:ext cx="12191695" cy="6858000"/>
+          </a:xfrm>
+          <a:prstGeom prst="rect">
+            <a:avLst/>
+          </a:prstGeom>
+          <a:ln>
+            <a:noFill/>
+          </a:ln>
+        </p:spPr>
+        <p:style>
+          <a:lnRef idx="2">
+            <a:schemeClr val="accent1">
+              <a:shade val="50000"/>
+            </a:schemeClr>
+          </a:lnRef>
+          <a:fillRef idx="1">
+            <a:schemeClr val="accent1"/>
+          </a:fillRef>
+          <a:effectRef idx="0">
+            <a:schemeClr val="accent1"/>
+          </a:effectRef>
+          <a:fontRef idx="minor">
+            <a:schemeClr val="lt1"/>
+          </a:fontRef>
+        </p:style>
+        <p:txBody>
+          <a:bodyPr rtlCol="0" anchor="ctr"/>
+          <a:lstStyle/>
+          <a:p>
+            <a:pPr algn="ctr"/>
+            <a:endParaRPr lang="en-US"/>
+          </a:p>
+        </p:txBody>
+      </p:sp>
+      <p:pic>
+        <p:nvPicPr>
+          <p:cNvPr id="5" name="Picture 4" descr="Blocos de madeira">
+            <a:extLst>
+              <a:ext uri="{FF2B5EF4-FFF2-40B4-BE49-F238E27FC236}">
+                <a16:creationId xmlns:a16="http://schemas.microsoft.com/office/drawing/2014/main" id="{61CDC832-1222-CDD2-26F9-072039641B79}"/>
+              </a:ext>
+            </a:extLst>
+          </p:cNvPr>
+          <p:cNvPicPr>
+            <a:picLocks noChangeAspect="1"/>
+          </p:cNvPicPr>
+          <p:nvPr/>
+        </p:nvPicPr>
+        <p:blipFill rotWithShape="1">
+          <a:blip r:embed="rId2">
+            <a:duotone>
+              <a:schemeClr val="bg2">
+                <a:shade val="45000"/>
+                <a:satMod val="135000"/>
+              </a:schemeClr>
+              <a:prstClr val="white"/>
+            </a:duotone>
+            <a:alphaModFix amt="50000"/>
+          </a:blip>
+          <a:srcRect b="-2"/>
+          <a:stretch/>
+        </p:blipFill>
+        <p:spPr>
+          <a:xfrm>
+            <a:off x="305" y="10"/>
+            <a:ext cx="12191695" cy="6857990"/>
+          </a:xfrm>
+          <a:prstGeom prst="rect">
+            <a:avLst/>
+          </a:prstGeom>
+        </p:spPr>
+      </p:pic>
+      <p:cxnSp>
+        <p:nvCxnSpPr>
+          <p:cNvPr id="11" name="Straight Connector 10">
+            <a:extLst>
+              <a:ext uri="{FF2B5EF4-FFF2-40B4-BE49-F238E27FC236}">
+                <a16:creationId xmlns:a16="http://schemas.microsoft.com/office/drawing/2014/main" id="{17FD20E5-30AF-47B9-9256-2E8E904CBBC1}"/>
+              </a:ext>
+              <a:ext uri="{C183D7F6-B498-43B3-948B-1728B52AA6E4}">
+                <adec:decorative xmlns:adec="http://schemas.microsoft.com/office/drawing/2017/decorative" val="1"/>
+              </a:ext>
+            </a:extLst>
+          </p:cNvPr>
+          <p:cNvCxnSpPr>
+            <a:cxnSpLocks noGrp="1" noRot="1" noChangeAspect="1" noMove="1" noResize="1" noEditPoints="1" noAdjustHandles="1" noChangeArrowheads="1" noChangeShapeType="1"/>
+          </p:cNvCxnSpPr>
+          <p:nvPr>
+            <p:extLst>
+              <p:ext uri="{386F3935-93C4-4BCD-93E2-E3B085C9AB24}">
+                <p16:designElem xmlns:p16="http://schemas.microsoft.com/office/powerpoint/2015/main" val="1"/>
+              </p:ext>
+            </p:extLst>
+          </p:nvPr>
+        </p:nvCxnSpPr>
+        <p:spPr>
+          <a:xfrm>
+            <a:off x="1453896" y="1847088"/>
+            <a:ext cx="9607523" cy="0"/>
+          </a:xfrm>
+          <a:prstGeom prst="line">
+            <a:avLst/>
+          </a:prstGeom>
+          <a:ln w="31750"/>
+        </p:spPr>
+        <p:style>
+          <a:lnRef idx="3">
+            <a:schemeClr val="accent1"/>
+          </a:lnRef>
+          <a:fillRef idx="0">
+            <a:schemeClr val="accent1"/>
+          </a:fillRef>
+          <a:effectRef idx="2">
+            <a:schemeClr val="accent1"/>
+          </a:effectRef>
+          <a:fontRef idx="minor">
+            <a:schemeClr val="tx1"/>
+          </a:fontRef>
+        </p:style>
+      </p:cxnSp>
+      <p:sp>
+        <p:nvSpPr>
+          <p:cNvPr id="2" name="Título 1">
+            <a:extLst>
+              <a:ext uri="{FF2B5EF4-FFF2-40B4-BE49-F238E27FC236}">
+                <a16:creationId xmlns:a16="http://schemas.microsoft.com/office/drawing/2014/main" id="{2903CA5B-44CF-FDF6-5C89-8E37D20E83B7}"/>
+              </a:ext>
+            </a:extLst>
+          </p:cNvPr>
+          <p:cNvSpPr>
+            <a:spLocks noGrp="1"/>
+          </p:cNvSpPr>
+          <p:nvPr>
+            <p:ph type="title"/>
+          </p:nvPr>
+        </p:nvSpPr>
+        <p:spPr>
+          <a:xfrm>
+            <a:off x="1451579" y="804519"/>
+            <a:ext cx="9603275" cy="1049235"/>
+          </a:xfrm>
+        </p:spPr>
+        <p:txBody>
+          <a:bodyPr>
+            <a:normAutofit/>
+          </a:bodyPr>
+          <a:lstStyle/>
+          <a:p>
+            <a:r>
+              <a:rPr lang="pt-BR" dirty="0"/>
+              <a:t>Arquitetura - </a:t>
+            </a:r>
+            <a:r>
+              <a:rPr lang="pt-BR">
+                <a:ea typeface="+mj-lt"/>
+                <a:cs typeface="+mj-lt"/>
+              </a:rPr>
+              <a:t>Modelo MVC (model,  </a:t>
+            </a:r>
+            <a:r>
+              <a:rPr lang="pt-BR" err="1">
+                <a:ea typeface="+mj-lt"/>
+                <a:cs typeface="+mj-lt"/>
+              </a:rPr>
+              <a:t>view</a:t>
+            </a:r>
+            <a:r>
+              <a:rPr lang="pt-BR">
+                <a:ea typeface="+mj-lt"/>
+                <a:cs typeface="+mj-lt"/>
+              </a:rPr>
+              <a:t> e </a:t>
+            </a:r>
+            <a:r>
+              <a:rPr lang="pt-BR" err="1">
+                <a:ea typeface="+mj-lt"/>
+                <a:cs typeface="+mj-lt"/>
+              </a:rPr>
+              <a:t>controller</a:t>
+            </a:r>
+            <a:r>
+              <a:rPr lang="pt-BR">
+                <a:ea typeface="+mj-lt"/>
+                <a:cs typeface="+mj-lt"/>
+              </a:rPr>
+              <a:t>)</a:t>
+            </a:r>
+            <a:endParaRPr lang="pt-BR" dirty="0">
+              <a:ea typeface="+mj-lt"/>
+              <a:cs typeface="+mj-lt"/>
+            </a:endParaRPr>
+          </a:p>
+        </p:txBody>
+      </p:sp>
+      <p:sp>
+        <p:nvSpPr>
+          <p:cNvPr id="13" name="Rectangle 12">
+            <a:extLst>
+              <a:ext uri="{FF2B5EF4-FFF2-40B4-BE49-F238E27FC236}">
+                <a16:creationId xmlns:a16="http://schemas.microsoft.com/office/drawing/2014/main" id="{279D3810-B86F-4009-84EC-DE0FEABD6FCE}"/>
+              </a:ext>
+              <a:ext uri="{C183D7F6-B498-43B3-948B-1728B52AA6E4}">
+                <adec:decorative xmlns:adec="http://schemas.microsoft.com/office/drawing/2017/decorative" val="1"/>
+              </a:ext>
+            </a:extLst>
+          </p:cNvPr>
+          <p:cNvSpPr>
+            <a:spLocks noGrp="1" noRot="1" noChangeAspect="1" noMove="1" noResize="1" noEditPoints="1" noAdjustHandles="1" noChangeArrowheads="1" noChangeShapeType="1" noTextEdit="1"/>
+          </p:cNvSpPr>
+          <p:nvPr>
+            <p:extLst>
+              <p:ext uri="{386F3935-93C4-4BCD-93E2-E3B085C9AB24}">
+                <p16:designElem xmlns:p16="http://schemas.microsoft.com/office/powerpoint/2015/main" val="1"/>
+              </p:ext>
+            </p:extLst>
+          </p:nvPr>
+        </p:nvSpPr>
+        <p:spPr>
+          <a:xfrm>
+            <a:off x="0" y="2019476"/>
+            <a:ext cx="12192000" cy="4105941"/>
+          </a:xfrm>
+          <a:prstGeom prst="rect">
+            <a:avLst/>
+          </a:prstGeom>
+          <a:gradFill flip="none" rotWithShape="1">
+            <a:gsLst>
+              <a:gs pos="0">
+                <a:schemeClr val="bg2">
+                  <a:alpha val="0"/>
+                </a:schemeClr>
+              </a:gs>
+              <a:gs pos="100000">
+                <a:schemeClr val="bg2">
+                  <a:alpha val="80000"/>
+                </a:schemeClr>
+              </a:gs>
+            </a:gsLst>
+            <a:lin ang="5400000" scaled="0"/>
+            <a:tileRect/>
+          </a:gradFill>
+          <a:ln>
+            <a:noFill/>
+          </a:ln>
+        </p:spPr>
+        <p:style>
+          <a:lnRef idx="2">
+            <a:schemeClr val="accent1">
+              <a:shade val="50000"/>
+            </a:schemeClr>
+          </a:lnRef>
+          <a:fillRef idx="1">
+            <a:schemeClr val="accent1"/>
+          </a:fillRef>
+          <a:effectRef idx="0">
+            <a:schemeClr val="accent1"/>
+          </a:effectRef>
+          <a:fontRef idx="minor">
+            <a:schemeClr val="lt1"/>
+          </a:fontRef>
+        </p:style>
+        <p:txBody>
+          <a:bodyPr rtlCol="0" anchor="ctr"/>
+          <a:lstStyle/>
+          <a:p>
+            <a:pPr algn="ctr"/>
+            <a:endParaRPr lang="en-US"/>
+          </a:p>
+        </p:txBody>
+      </p:sp>
+      <p:sp>
+        <p:nvSpPr>
+          <p:cNvPr id="3" name="Espaço Reservado para Conteúdo 2">
+            <a:extLst>
+              <a:ext uri="{FF2B5EF4-FFF2-40B4-BE49-F238E27FC236}">
+                <a16:creationId xmlns:a16="http://schemas.microsoft.com/office/drawing/2014/main" id="{A8E624EA-C0C0-7948-FB92-5DCD746057E3}"/>
+              </a:ext>
+            </a:extLst>
+          </p:cNvPr>
+          <p:cNvSpPr>
+            <a:spLocks noGrp="1"/>
+          </p:cNvSpPr>
+          <p:nvPr>
+            <p:ph idx="1"/>
+          </p:nvPr>
+        </p:nvSpPr>
+        <p:spPr>
+          <a:xfrm>
+            <a:off x="1451579" y="2015732"/>
+            <a:ext cx="9603275" cy="3450613"/>
+          </a:xfrm>
+        </p:spPr>
+        <p:txBody>
+          <a:bodyPr>
+            <a:normAutofit/>
+          </a:bodyPr>
+          <a:lstStyle/>
+          <a:p>
+            <a:endParaRPr lang="pt-BR" dirty="0"/>
+          </a:p>
+          <a:p>
+            <a:r>
+              <a:rPr lang="pt-BR" dirty="0"/>
+              <a:t>Model – Regras de Negocio</a:t>
+            </a:r>
+          </a:p>
+          <a:p>
+            <a:r>
+              <a:rPr lang="pt-BR" err="1"/>
+              <a:t>View</a:t>
+            </a:r>
+            <a:r>
+              <a:rPr lang="pt-BR" dirty="0"/>
+              <a:t> - exibição e recepção de dados</a:t>
+            </a:r>
+          </a:p>
+          <a:p>
+            <a:r>
+              <a:rPr lang="pt-BR" dirty="0" err="1"/>
+              <a:t>Contoller</a:t>
+            </a:r>
+            <a:r>
+              <a:rPr lang="pt-BR" dirty="0"/>
+              <a:t> - </a:t>
+            </a:r>
+            <a:r>
+              <a:rPr lang="pt-BR" dirty="0">
+                <a:ea typeface="+mn-lt"/>
+                <a:cs typeface="+mn-lt"/>
+              </a:rPr>
+              <a:t>o intermediário entre o Modelo e a </a:t>
+            </a:r>
+            <a:r>
+              <a:rPr lang="pt-BR" dirty="0" err="1">
+                <a:ea typeface="+mn-lt"/>
+                <a:cs typeface="+mn-lt"/>
+              </a:rPr>
+              <a:t>View</a:t>
+            </a:r>
+            <a:endParaRPr lang="pt-BR" dirty="0" err="1"/>
+          </a:p>
+        </p:txBody>
+      </p:sp>
+      <p:pic>
+        <p:nvPicPr>
+          <p:cNvPr id="15" name="Picture 14">
+            <a:extLst>
+              <a:ext uri="{FF2B5EF4-FFF2-40B4-BE49-F238E27FC236}">
+                <a16:creationId xmlns:a16="http://schemas.microsoft.com/office/drawing/2014/main" id="{C33612A4-0B77-4479-B2AA-F178599550AA}"/>
+              </a:ext>
+              <a:ext uri="{C183D7F6-B498-43B3-948B-1728B52AA6E4}">
+                <adec:decorative xmlns:adec="http://schemas.microsoft.com/office/drawing/2017/decorative" val="1"/>
+              </a:ext>
+            </a:extLst>
+          </p:cNvPr>
+          <p:cNvPicPr>
+            <a:picLocks noGrp="1" noRot="1" noChangeAspect="1" noMove="1" noResize="1" noEditPoints="1" noAdjustHandles="1" noChangeArrowheads="1" noChangeShapeType="1" noCrop="1"/>
+          </p:cNvPicPr>
+          <p:nvPr>
+            <p:extLst>
+              <p:ext uri="{386F3935-93C4-4BCD-93E2-E3B085C9AB24}">
+                <p16:designElem xmlns:p16="http://schemas.microsoft.com/office/powerpoint/2015/main" val="1"/>
+              </p:ext>
+            </p:extLst>
+          </p:nvPr>
+        </p:nvPicPr>
+        <p:blipFill rotWithShape="1">
+          <a:blip r:embed="rId3">
+            <a:extLst>
+              <a:ext uri="{28A0092B-C50C-407E-A947-70E740481C1C}">
+                <a14:useLocalDpi xmlns:a14="http://schemas.microsoft.com/office/drawing/2010/main" val="0"/>
+              </a:ext>
+            </a:extLst>
+          </a:blip>
+          <a:srcRect t="1538" b="-1538"/>
+          <a:stretch/>
+        </p:blipFill>
+        <p:spPr bwMode="black">
+          <a:xfrm>
+            <a:off x="0" y="6126480"/>
+            <a:ext cx="12192000" cy="742950"/>
+          </a:xfrm>
+          <a:prstGeom prst="rect">
+            <a:avLst/>
+          </a:prstGeom>
+        </p:spPr>
+      </p:pic>
+      <p:cxnSp>
+        <p:nvCxnSpPr>
+          <p:cNvPr id="17" name="Straight Connector 16">
+            <a:extLst>
+              <a:ext uri="{FF2B5EF4-FFF2-40B4-BE49-F238E27FC236}">
+                <a16:creationId xmlns:a16="http://schemas.microsoft.com/office/drawing/2014/main" id="{078A367A-3E83-4B48-A0F7-43FBE33328F5}"/>
+              </a:ext>
+              <a:ext uri="{C183D7F6-B498-43B3-948B-1728B52AA6E4}">
+                <adec:decorative xmlns:adec="http://schemas.microsoft.com/office/drawing/2017/decorative" val="1"/>
+              </a:ext>
+            </a:extLst>
+          </p:cNvPr>
+          <p:cNvCxnSpPr>
+            <a:cxnSpLocks noGrp="1" noRot="1" noChangeAspect="1" noMove="1" noResize="1" noEditPoints="1" noAdjustHandles="1" noChangeArrowheads="1" noChangeShapeType="1"/>
+          </p:cNvCxnSpPr>
+          <p:nvPr>
+            <p:extLst>
+              <p:ext uri="{386F3935-93C4-4BCD-93E2-E3B085C9AB24}">
+                <p16:designElem xmlns:p16="http://schemas.microsoft.com/office/powerpoint/2015/main" val="1"/>
+              </p:ext>
+            </p:extLst>
+          </p:nvPr>
+        </p:nvCxnSpPr>
+        <p:spPr>
+          <a:xfrm>
+            <a:off x="0" y="6128413"/>
+            <a:ext cx="12192000" cy="0"/>
+          </a:xfrm>
+          <a:prstGeom prst="line">
+            <a:avLst/>
+          </a:prstGeom>
+          <a:ln w="12700">
+            <a:solidFill>
+              <a:srgbClr val="000001">
+                <a:alpha val="20000"/>
+              </a:srgbClr>
+            </a:solidFill>
+          </a:ln>
+        </p:spPr>
+        <p:style>
+          <a:lnRef idx="1">
+            <a:schemeClr val="accent1"/>
+          </a:lnRef>
+          <a:fillRef idx="0">
+            <a:schemeClr val="accent1"/>
+          </a:fillRef>
+          <a:effectRef idx="0">
+            <a:schemeClr val="accent1"/>
+          </a:effectRef>
+          <a:fontRef idx="minor">
+            <a:schemeClr val="tx1"/>
+          </a:fontRef>
+        </p:style>
+      </p:cxnSp>
+    </p:spTree>
+    <p:extLst>
+      <p:ext uri="{BB962C8B-B14F-4D97-AF65-F5344CB8AC3E}">
+        <p14:creationId xmlns:p14="http://schemas.microsoft.com/office/powerpoint/2010/main" val="694521400"/>
       </p:ext>
     </p:extLst>
   </p:cSld>
@@ -6073,530 +5789,9 @@
           <a:chExt cx="0" cy="0"/>
         </a:xfrm>
       </p:grpSpPr>
-      <p:sp useBgFill="1">
-        <p:nvSpPr>
-          <p:cNvPr id="9" name="Rectangle 8">
-            <a:extLst>
-              <a:ext uri="{FF2B5EF4-FFF2-40B4-BE49-F238E27FC236}">
-                <a16:creationId xmlns:a16="http://schemas.microsoft.com/office/drawing/2014/main" id="{7BEFDA1A-2A01-4C29-A5D0-AE6F050D07DF}"/>
-              </a:ext>
-              <a:ext uri="{C183D7F6-B498-43B3-948B-1728B52AA6E4}">
-                <adec:decorative xmlns:adec="http://schemas.microsoft.com/office/drawing/2017/decorative" val="1"/>
-              </a:ext>
-            </a:extLst>
-          </p:cNvPr>
-          <p:cNvSpPr>
-            <a:spLocks noGrp="1" noRot="1" noChangeAspect="1" noMove="1" noResize="1" noEditPoints="1" noAdjustHandles="1" noChangeArrowheads="1" noChangeShapeType="1" noTextEdit="1"/>
-          </p:cNvSpPr>
-          <p:nvPr>
-            <p:extLst>
-              <p:ext uri="{386F3935-93C4-4BCD-93E2-E3B085C9AB24}">
-                <p16:designElem xmlns:p16="http://schemas.microsoft.com/office/powerpoint/2015/main" val="1"/>
-              </p:ext>
-            </p:extLst>
-          </p:nvPr>
-        </p:nvSpPr>
-        <p:spPr>
-          <a:xfrm>
-            <a:off x="2" y="0"/>
-            <a:ext cx="12191695" cy="6858000"/>
-          </a:xfrm>
-          <a:prstGeom prst="rect">
-            <a:avLst/>
-          </a:prstGeom>
-          <a:ln>
-            <a:noFill/>
-          </a:ln>
-        </p:spPr>
-        <p:style>
-          <a:lnRef idx="2">
-            <a:schemeClr val="accent1">
-              <a:shade val="50000"/>
-            </a:schemeClr>
-          </a:lnRef>
-          <a:fillRef idx="1">
-            <a:schemeClr val="accent1"/>
-          </a:fillRef>
-          <a:effectRef idx="0">
-            <a:schemeClr val="accent1"/>
-          </a:effectRef>
-          <a:fontRef idx="minor">
-            <a:schemeClr val="lt1"/>
-          </a:fontRef>
-        </p:style>
-        <p:txBody>
-          <a:bodyPr rtlCol="0" anchor="ctr"/>
-          <a:lstStyle/>
-          <a:p>
-            <a:pPr algn="ctr"/>
-            <a:endParaRPr lang="en-US"/>
-          </a:p>
-        </p:txBody>
-      </p:sp>
-      <p:pic>
-        <p:nvPicPr>
-          <p:cNvPr id="5" name="Picture 4" descr="Blocos de madeira">
-            <a:extLst>
-              <a:ext uri="{FF2B5EF4-FFF2-40B4-BE49-F238E27FC236}">
-                <a16:creationId xmlns:a16="http://schemas.microsoft.com/office/drawing/2014/main" id="{61CDC832-1222-CDD2-26F9-072039641B79}"/>
-              </a:ext>
-            </a:extLst>
-          </p:cNvPr>
-          <p:cNvPicPr>
-            <a:picLocks noChangeAspect="1"/>
-          </p:cNvPicPr>
-          <p:nvPr/>
-        </p:nvPicPr>
-        <p:blipFill rotWithShape="1">
-          <a:blip r:embed="rId2">
-            <a:duotone>
-              <a:schemeClr val="bg2">
-                <a:shade val="45000"/>
-                <a:satMod val="135000"/>
-              </a:schemeClr>
-              <a:prstClr val="white"/>
-            </a:duotone>
-            <a:alphaModFix amt="50000"/>
-          </a:blip>
-          <a:srcRect b="-2"/>
-          <a:stretch/>
-        </p:blipFill>
-        <p:spPr>
-          <a:xfrm>
-            <a:off x="305" y="10"/>
-            <a:ext cx="12191695" cy="6857990"/>
-          </a:xfrm>
-          <a:prstGeom prst="rect">
-            <a:avLst/>
-          </a:prstGeom>
-        </p:spPr>
-      </p:pic>
-      <p:cxnSp>
-        <p:nvCxnSpPr>
-          <p:cNvPr id="11" name="Straight Connector 10">
-            <a:extLst>
-              <a:ext uri="{FF2B5EF4-FFF2-40B4-BE49-F238E27FC236}">
-                <a16:creationId xmlns:a16="http://schemas.microsoft.com/office/drawing/2014/main" id="{17FD20E5-30AF-47B9-9256-2E8E904CBBC1}"/>
-              </a:ext>
-              <a:ext uri="{C183D7F6-B498-43B3-948B-1728B52AA6E4}">
-                <adec:decorative xmlns:adec="http://schemas.microsoft.com/office/drawing/2017/decorative" val="1"/>
-              </a:ext>
-            </a:extLst>
-          </p:cNvPr>
-          <p:cNvCxnSpPr>
-            <a:cxnSpLocks noGrp="1" noRot="1" noChangeAspect="1" noMove="1" noResize="1" noEditPoints="1" noAdjustHandles="1" noChangeArrowheads="1" noChangeShapeType="1"/>
-          </p:cNvCxnSpPr>
-          <p:nvPr>
-            <p:extLst>
-              <p:ext uri="{386F3935-93C4-4BCD-93E2-E3B085C9AB24}">
-                <p16:designElem xmlns:p16="http://schemas.microsoft.com/office/powerpoint/2015/main" val="1"/>
-              </p:ext>
-            </p:extLst>
-          </p:nvPr>
-        </p:nvCxnSpPr>
-        <p:spPr>
-          <a:xfrm>
-            <a:off x="1453896" y="1847088"/>
-            <a:ext cx="9607523" cy="0"/>
-          </a:xfrm>
-          <a:prstGeom prst="line">
-            <a:avLst/>
-          </a:prstGeom>
-          <a:ln w="31750"/>
-        </p:spPr>
-        <p:style>
-          <a:lnRef idx="3">
-            <a:schemeClr val="accent1"/>
-          </a:lnRef>
-          <a:fillRef idx="0">
-            <a:schemeClr val="accent1"/>
-          </a:fillRef>
-          <a:effectRef idx="2">
-            <a:schemeClr val="accent1"/>
-          </a:effectRef>
-          <a:fontRef idx="minor">
-            <a:schemeClr val="tx1"/>
-          </a:fontRef>
-        </p:style>
-      </p:cxnSp>
-      <p:sp>
-        <p:nvSpPr>
-          <p:cNvPr id="2" name="Título 1">
-            <a:extLst>
-              <a:ext uri="{FF2B5EF4-FFF2-40B4-BE49-F238E27FC236}">
-                <a16:creationId xmlns:a16="http://schemas.microsoft.com/office/drawing/2014/main" id="{2903CA5B-44CF-FDF6-5C89-8E37D20E83B7}"/>
-              </a:ext>
-            </a:extLst>
-          </p:cNvPr>
-          <p:cNvSpPr>
-            <a:spLocks noGrp="1"/>
-          </p:cNvSpPr>
-          <p:nvPr>
-            <p:ph type="title"/>
-          </p:nvPr>
-        </p:nvSpPr>
-        <p:spPr>
-          <a:xfrm>
-            <a:off x="1451579" y="804519"/>
-            <a:ext cx="9603275" cy="1049235"/>
-          </a:xfrm>
-        </p:spPr>
-        <p:txBody>
-          <a:bodyPr>
-            <a:normAutofit/>
-          </a:bodyPr>
-          <a:lstStyle/>
-          <a:p>
-            <a:r>
-              <a:rPr lang="pt-BR" dirty="0"/>
-              <a:t>Arquitetura - </a:t>
-            </a:r>
-            <a:r>
-              <a:rPr lang="pt-BR">
-                <a:ea typeface="+mj-lt"/>
-                <a:cs typeface="+mj-lt"/>
-              </a:rPr>
-              <a:t>Modelo MVC (model,  </a:t>
-            </a:r>
-            <a:r>
-              <a:rPr lang="pt-BR" err="1">
-                <a:ea typeface="+mj-lt"/>
-                <a:cs typeface="+mj-lt"/>
-              </a:rPr>
-              <a:t>view</a:t>
-            </a:r>
-            <a:r>
-              <a:rPr lang="pt-BR">
-                <a:ea typeface="+mj-lt"/>
-                <a:cs typeface="+mj-lt"/>
-              </a:rPr>
-              <a:t> e </a:t>
-            </a:r>
-            <a:r>
-              <a:rPr lang="pt-BR" err="1">
-                <a:ea typeface="+mj-lt"/>
-                <a:cs typeface="+mj-lt"/>
-              </a:rPr>
-              <a:t>controller</a:t>
-            </a:r>
-            <a:r>
-              <a:rPr lang="pt-BR">
-                <a:ea typeface="+mj-lt"/>
-                <a:cs typeface="+mj-lt"/>
-              </a:rPr>
-              <a:t>)</a:t>
-            </a:r>
-            <a:endParaRPr lang="pt-BR" dirty="0">
-              <a:ea typeface="+mj-lt"/>
-              <a:cs typeface="+mj-lt"/>
-            </a:endParaRPr>
-          </a:p>
-        </p:txBody>
-      </p:sp>
-      <p:sp>
-        <p:nvSpPr>
-          <p:cNvPr id="13" name="Rectangle 12">
-            <a:extLst>
-              <a:ext uri="{FF2B5EF4-FFF2-40B4-BE49-F238E27FC236}">
-                <a16:creationId xmlns:a16="http://schemas.microsoft.com/office/drawing/2014/main" id="{279D3810-B86F-4009-84EC-DE0FEABD6FCE}"/>
-              </a:ext>
-              <a:ext uri="{C183D7F6-B498-43B3-948B-1728B52AA6E4}">
-                <adec:decorative xmlns:adec="http://schemas.microsoft.com/office/drawing/2017/decorative" val="1"/>
-              </a:ext>
-            </a:extLst>
-          </p:cNvPr>
-          <p:cNvSpPr>
-            <a:spLocks noGrp="1" noRot="1" noChangeAspect="1" noMove="1" noResize="1" noEditPoints="1" noAdjustHandles="1" noChangeArrowheads="1" noChangeShapeType="1" noTextEdit="1"/>
-          </p:cNvSpPr>
-          <p:nvPr>
-            <p:extLst>
-              <p:ext uri="{386F3935-93C4-4BCD-93E2-E3B085C9AB24}">
-                <p16:designElem xmlns:p16="http://schemas.microsoft.com/office/powerpoint/2015/main" val="1"/>
-              </p:ext>
-            </p:extLst>
-          </p:nvPr>
-        </p:nvSpPr>
-        <p:spPr>
-          <a:xfrm>
-            <a:off x="0" y="2019476"/>
-            <a:ext cx="12192000" cy="4105941"/>
-          </a:xfrm>
-          <a:prstGeom prst="rect">
-            <a:avLst/>
-          </a:prstGeom>
-          <a:gradFill flip="none" rotWithShape="1">
-            <a:gsLst>
-              <a:gs pos="0">
-                <a:schemeClr val="bg2">
-                  <a:alpha val="0"/>
-                </a:schemeClr>
-              </a:gs>
-              <a:gs pos="100000">
-                <a:schemeClr val="bg2">
-                  <a:alpha val="80000"/>
-                </a:schemeClr>
-              </a:gs>
-            </a:gsLst>
-            <a:lin ang="5400000" scaled="0"/>
-            <a:tileRect/>
-          </a:gradFill>
-          <a:ln>
-            <a:noFill/>
-          </a:ln>
-        </p:spPr>
-        <p:style>
-          <a:lnRef idx="2">
-            <a:schemeClr val="accent1">
-              <a:shade val="50000"/>
-            </a:schemeClr>
-          </a:lnRef>
-          <a:fillRef idx="1">
-            <a:schemeClr val="accent1"/>
-          </a:fillRef>
-          <a:effectRef idx="0">
-            <a:schemeClr val="accent1"/>
-          </a:effectRef>
-          <a:fontRef idx="minor">
-            <a:schemeClr val="lt1"/>
-          </a:fontRef>
-        </p:style>
-        <p:txBody>
-          <a:bodyPr rtlCol="0" anchor="ctr"/>
-          <a:lstStyle/>
-          <a:p>
-            <a:pPr algn="ctr"/>
-            <a:endParaRPr lang="en-US"/>
-          </a:p>
-        </p:txBody>
-      </p:sp>
-      <p:sp>
-        <p:nvSpPr>
-          <p:cNvPr id="3" name="Espaço Reservado para Conteúdo 2">
-            <a:extLst>
-              <a:ext uri="{FF2B5EF4-FFF2-40B4-BE49-F238E27FC236}">
-                <a16:creationId xmlns:a16="http://schemas.microsoft.com/office/drawing/2014/main" id="{A8E624EA-C0C0-7948-FB92-5DCD746057E3}"/>
-              </a:ext>
-            </a:extLst>
-          </p:cNvPr>
-          <p:cNvSpPr>
-            <a:spLocks noGrp="1"/>
-          </p:cNvSpPr>
-          <p:nvPr>
-            <p:ph idx="1"/>
-          </p:nvPr>
-        </p:nvSpPr>
-        <p:spPr>
-          <a:xfrm>
-            <a:off x="1451579" y="2015732"/>
-            <a:ext cx="9603275" cy="3450613"/>
-          </a:xfrm>
-        </p:spPr>
-        <p:txBody>
-          <a:bodyPr>
-            <a:normAutofit/>
-          </a:bodyPr>
-          <a:lstStyle/>
-          <a:p>
-            <a:endParaRPr lang="pt-BR" dirty="0"/>
-          </a:p>
-          <a:p>
-            <a:r>
-              <a:rPr lang="pt-BR" dirty="0"/>
-              <a:t>Model – Regras de Negocio</a:t>
-            </a:r>
-          </a:p>
-          <a:p>
-            <a:r>
-              <a:rPr lang="pt-BR" err="1"/>
-              <a:t>View</a:t>
-            </a:r>
-            <a:r>
-              <a:rPr lang="pt-BR" dirty="0"/>
-              <a:t> - exibição e recepção de dados</a:t>
-            </a:r>
-          </a:p>
-          <a:p>
-            <a:r>
-              <a:rPr lang="pt-BR" dirty="0" err="1"/>
-              <a:t>Contoller</a:t>
-            </a:r>
-            <a:r>
-              <a:rPr lang="pt-BR" dirty="0"/>
-              <a:t> - </a:t>
-            </a:r>
-            <a:r>
-              <a:rPr lang="pt-BR" dirty="0">
-                <a:ea typeface="+mn-lt"/>
-                <a:cs typeface="+mn-lt"/>
-              </a:rPr>
-              <a:t>o intermediário entre o Modelo e a </a:t>
-            </a:r>
-            <a:r>
-              <a:rPr lang="pt-BR" dirty="0" err="1">
-                <a:ea typeface="+mn-lt"/>
-                <a:cs typeface="+mn-lt"/>
-              </a:rPr>
-              <a:t>View</a:t>
-            </a:r>
-            <a:endParaRPr lang="pt-BR" dirty="0" err="1"/>
-          </a:p>
-        </p:txBody>
-      </p:sp>
-      <p:pic>
-        <p:nvPicPr>
-          <p:cNvPr id="15" name="Picture 14">
-            <a:extLst>
-              <a:ext uri="{FF2B5EF4-FFF2-40B4-BE49-F238E27FC236}">
-                <a16:creationId xmlns:a16="http://schemas.microsoft.com/office/drawing/2014/main" id="{C33612A4-0B77-4479-B2AA-F178599550AA}"/>
-              </a:ext>
-              <a:ext uri="{C183D7F6-B498-43B3-948B-1728B52AA6E4}">
-                <adec:decorative xmlns:adec="http://schemas.microsoft.com/office/drawing/2017/decorative" val="1"/>
-              </a:ext>
-            </a:extLst>
-          </p:cNvPr>
-          <p:cNvPicPr>
-            <a:picLocks noGrp="1" noRot="1" noChangeAspect="1" noMove="1" noResize="1" noEditPoints="1" noAdjustHandles="1" noChangeArrowheads="1" noChangeShapeType="1" noCrop="1"/>
-          </p:cNvPicPr>
-          <p:nvPr>
-            <p:extLst>
-              <p:ext uri="{386F3935-93C4-4BCD-93E2-E3B085C9AB24}">
-                <p16:designElem xmlns:p16="http://schemas.microsoft.com/office/powerpoint/2015/main" val="1"/>
-              </p:ext>
-            </p:extLst>
-          </p:nvPr>
-        </p:nvPicPr>
-        <p:blipFill rotWithShape="1">
-          <a:blip r:embed="rId3">
-            <a:extLst>
-              <a:ext uri="{28A0092B-C50C-407E-A947-70E740481C1C}">
-                <a14:useLocalDpi xmlns:a14="http://schemas.microsoft.com/office/drawing/2010/main" val="0"/>
-              </a:ext>
-            </a:extLst>
-          </a:blip>
-          <a:srcRect t="1538" b="-1538"/>
-          <a:stretch/>
-        </p:blipFill>
-        <p:spPr bwMode="black">
-          <a:xfrm>
-            <a:off x="0" y="6126480"/>
-            <a:ext cx="12192000" cy="742950"/>
-          </a:xfrm>
-          <a:prstGeom prst="rect">
-            <a:avLst/>
-          </a:prstGeom>
-        </p:spPr>
-      </p:pic>
-      <p:cxnSp>
-        <p:nvCxnSpPr>
-          <p:cNvPr id="17" name="Straight Connector 16">
-            <a:extLst>
-              <a:ext uri="{FF2B5EF4-FFF2-40B4-BE49-F238E27FC236}">
-                <a16:creationId xmlns:a16="http://schemas.microsoft.com/office/drawing/2014/main" id="{078A367A-3E83-4B48-A0F7-43FBE33328F5}"/>
-              </a:ext>
-              <a:ext uri="{C183D7F6-B498-43B3-948B-1728B52AA6E4}">
-                <adec:decorative xmlns:adec="http://schemas.microsoft.com/office/drawing/2017/decorative" val="1"/>
-              </a:ext>
-            </a:extLst>
-          </p:cNvPr>
-          <p:cNvCxnSpPr>
-            <a:cxnSpLocks noGrp="1" noRot="1" noChangeAspect="1" noMove="1" noResize="1" noEditPoints="1" noAdjustHandles="1" noChangeArrowheads="1" noChangeShapeType="1"/>
-          </p:cNvCxnSpPr>
-          <p:nvPr>
-            <p:extLst>
-              <p:ext uri="{386F3935-93C4-4BCD-93E2-E3B085C9AB24}">
-                <p16:designElem xmlns:p16="http://schemas.microsoft.com/office/powerpoint/2015/main" val="1"/>
-              </p:ext>
-            </p:extLst>
-          </p:nvPr>
-        </p:nvCxnSpPr>
-        <p:spPr>
-          <a:xfrm>
-            <a:off x="0" y="6128413"/>
-            <a:ext cx="12192000" cy="0"/>
-          </a:xfrm>
-          <a:prstGeom prst="line">
-            <a:avLst/>
-          </a:prstGeom>
-          <a:ln w="12700">
-            <a:solidFill>
-              <a:srgbClr val="000001">
-                <a:alpha val="20000"/>
-              </a:srgbClr>
-            </a:solidFill>
-          </a:ln>
-        </p:spPr>
-        <p:style>
-          <a:lnRef idx="1">
-            <a:schemeClr val="accent1"/>
-          </a:lnRef>
-          <a:fillRef idx="0">
-            <a:schemeClr val="accent1"/>
-          </a:fillRef>
-          <a:effectRef idx="0">
-            <a:schemeClr val="accent1"/>
-          </a:effectRef>
-          <a:fontRef idx="minor">
-            <a:schemeClr val="tx1"/>
-          </a:fontRef>
-        </p:style>
-      </p:cxnSp>
-    </p:spTree>
-    <p:extLst>
-      <p:ext uri="{BB962C8B-B14F-4D97-AF65-F5344CB8AC3E}">
-        <p14:creationId xmlns:p14="http://schemas.microsoft.com/office/powerpoint/2010/main" val="694521400"/>
-      </p:ext>
-    </p:extLst>
-  </p:cSld>
-  <p:clrMapOvr>
-    <a:masterClrMapping/>
-  </p:clrMapOvr>
-</p:sld>
-</file>
-
-<file path=ppt/slides/slide5.xml><?xml version="1.0" encoding="utf-8"?>
-<p:sld xmlns:a="http://schemas.openxmlformats.org/drawingml/2006/main" xmlns:r="http://schemas.openxmlformats.org/officeDocument/2006/relationships" xmlns:p="http://schemas.openxmlformats.org/presentationml/2006/main">
-  <p:cSld>
-    <p:bg>
-      <p:bgPr>
-        <a:gradFill rotWithShape="1">
-          <a:gsLst>
-            <a:gs pos="0">
-              <a:schemeClr val="bg2">
-                <a:tint val="94000"/>
-                <a:satMod val="80000"/>
-                <a:lumMod val="106000"/>
-              </a:schemeClr>
-            </a:gs>
-            <a:gs pos="100000">
-              <a:schemeClr val="bg2">
-                <a:shade val="80000"/>
-              </a:schemeClr>
-            </a:gs>
-          </a:gsLst>
-          <a:path path="circle">
-            <a:fillToRect l="43000" r="43000" b="100000"/>
-          </a:path>
-        </a:gradFill>
-        <a:effectLst/>
-      </p:bgPr>
-    </p:bg>
-    <p:spTree>
-      <p:nvGrpSpPr>
-        <p:cNvPr id="1" name=""/>
-        <p:cNvGrpSpPr/>
-        <p:nvPr/>
-      </p:nvGrpSpPr>
-      <p:grpSpPr>
-        <a:xfrm>
-          <a:off x="0" y="0"/>
-          <a:ext cx="0" cy="0"/>
-          <a:chOff x="0" y="0"/>
-          <a:chExt cx="0" cy="0"/>
-        </a:xfrm>
-      </p:grpSpPr>
-      <p:sp>
-        <p:nvSpPr>
-          <p:cNvPr id="9" name="Rectangle 8">
+      <p:sp>
+        <p:nvSpPr>
+          <p:cNvPr id="100" name="Rectangle 75">
             <a:extLst>
               <a:ext uri="{FF2B5EF4-FFF2-40B4-BE49-F238E27FC236}">
                 <a16:creationId xmlns:a16="http://schemas.microsoft.com/office/drawing/2014/main" id="{0CABCAE3-64FC-4149-819F-2C1812824154}"/>
@@ -6662,7 +5857,7 @@
       </p:sp>
       <p:pic>
         <p:nvPicPr>
-          <p:cNvPr id="26" name="Picture 10">
+          <p:cNvPr id="101" name="Picture 77">
             <a:extLst>
               <a:ext uri="{FF2B5EF4-FFF2-40B4-BE49-F238E27FC236}">
                 <a16:creationId xmlns:a16="http://schemas.microsoft.com/office/drawing/2014/main" id="{012FDCFE-9AD2-4D8A-8CBF-B3AA37EBF6DD}"/>
@@ -6706,7 +5901,7 @@
       </p:pic>
       <p:cxnSp>
         <p:nvCxnSpPr>
-          <p:cNvPr id="27" name="Straight Connector 12">
+          <p:cNvPr id="102" name="Straight Connector 79">
             <a:extLst>
               <a:ext uri="{FF2B5EF4-FFF2-40B4-BE49-F238E27FC236}">
                 <a16:creationId xmlns:a16="http://schemas.microsoft.com/office/drawing/2014/main" id="{FBD463FC-4CA8-4FF4-85A3-AF9F4B98D210}"/>
@@ -6760,7 +5955,7 @@
       </p:cxnSp>
       <p:cxnSp>
         <p:nvCxnSpPr>
-          <p:cNvPr id="28" name="Straight Connector 14">
+          <p:cNvPr id="103" name="Straight Connector 81">
             <a:extLst>
               <a:ext uri="{FF2B5EF4-FFF2-40B4-BE49-F238E27FC236}">
                 <a16:creationId xmlns:a16="http://schemas.microsoft.com/office/drawing/2014/main" id="{BECF35C3-8B44-4F4B-BD25-4C01823DB22A}"/>
@@ -6808,10 +6003,10 @@
       </p:cxnSp>
       <p:sp useBgFill="1">
         <p:nvSpPr>
-          <p:cNvPr id="29" name="Rectangle 16">
+          <p:cNvPr id="104" name="Rectangle 83">
             <a:extLst>
               <a:ext uri="{FF2B5EF4-FFF2-40B4-BE49-F238E27FC236}">
-                <a16:creationId xmlns:a16="http://schemas.microsoft.com/office/drawing/2014/main" id="{D0712110-0BC1-4B31-B3BB-63B44222E87F}"/>
+                <a16:creationId xmlns:a16="http://schemas.microsoft.com/office/drawing/2014/main" id="{2FA7AD0A-1871-4DF8-9235-F49D0513B9C1}"/>
               </a:ext>
               <a:ext uri="{C183D7F6-B498-43B3-948B-1728B52AA6E4}">
                 <adec:decorative xmlns:adec="http://schemas.microsoft.com/office/drawing/2017/decorative" val="1"/>
@@ -6868,10 +6063,10 @@
       </p:sp>
       <p:sp>
         <p:nvSpPr>
-          <p:cNvPr id="19" name="Rectangle 18">
+          <p:cNvPr id="105" name="Rectangle 85">
             <a:extLst>
               <a:ext uri="{FF2B5EF4-FFF2-40B4-BE49-F238E27FC236}">
-                <a16:creationId xmlns:a16="http://schemas.microsoft.com/office/drawing/2014/main" id="{4466B5F3-C053-4580-B04A-1EF949888280}"/>
+                <a16:creationId xmlns:a16="http://schemas.microsoft.com/office/drawing/2014/main" id="{36B04CFB-FAE5-47DD-9B3E-4E9BA7A89CC1}"/>
               </a:ext>
               <a:ext uri="{C183D7F6-B498-43B3-948B-1728B52AA6E4}">
                 <adec:decorative xmlns:adec="http://schemas.microsoft.com/office/drawing/2017/decorative" val="1"/>
@@ -6945,7 +6140,7 @@
           <p:cNvPr id="2" name="Título 1">
             <a:extLst>
               <a:ext uri="{FF2B5EF4-FFF2-40B4-BE49-F238E27FC236}">
-                <a16:creationId xmlns:a16="http://schemas.microsoft.com/office/drawing/2014/main" id="{55A3D025-C95D-3EBD-9F78-0DCAF8219B53}"/>
+                <a16:creationId xmlns:a16="http://schemas.microsoft.com/office/drawing/2014/main" id="{4EA7BF43-BCB2-A6B2-C7E6-FC38567A59A0}"/>
               </a:ext>
             </a:extLst>
           </p:cNvPr>
@@ -6958,8 +6153,8 @@
         </p:nvSpPr>
         <p:spPr>
           <a:xfrm>
-            <a:off x="1452616" y="962902"/>
-            <a:ext cx="4176384" cy="2380828"/>
+            <a:off x="659301" y="1474969"/>
+            <a:ext cx="2823919" cy="1868760"/>
           </a:xfrm>
         </p:spPr>
         <p:txBody>
@@ -6969,49 +6164,25 @@
           <a:lstStyle/>
           <a:p>
             <a:r>
-              <a:rPr lang="en-US" sz="3400" dirty="0" err="1"/>
-              <a:t>Modelagem</a:t>
-            </a:r>
-            <a:r>
-              <a:rPr lang="en-US" sz="3400" dirty="0"/>
-              <a:t> da Principal </a:t>
-            </a:r>
-            <a:r>
-              <a:rPr lang="en-US" sz="3400" dirty="0" err="1"/>
-              <a:t>Funcionalidade</a:t>
+              <a:rPr lang="en-US" sz="2300"/>
+              <a:t>Modelagem da Principal Funcionalidade</a:t>
             </a:r>
             <a:br>
-              <a:rPr lang="en-US" sz="3400"/>
+              <a:rPr lang="en-US" sz="2300"/>
             </a:br>
             <a:r>
-              <a:rPr lang="en-US" sz="3400" dirty="0"/>
-              <a:t>(</a:t>
-            </a:r>
-            <a:r>
-              <a:rPr lang="en-US" sz="3400" dirty="0" err="1"/>
-              <a:t>Cadastrar</a:t>
-            </a:r>
-            <a:r>
-              <a:rPr lang="en-US" sz="3400" dirty="0"/>
-              <a:t> </a:t>
-            </a:r>
-            <a:r>
-              <a:rPr lang="en-US" sz="3400" dirty="0" err="1"/>
-              <a:t>Empréstimo</a:t>
-            </a:r>
-            <a:r>
-              <a:rPr lang="en-US" sz="3400" dirty="0"/>
-              <a:t>)</a:t>
+              <a:rPr lang="en-US" sz="2300"/>
+              <a:t>(Cadastrar Empréstimo)</a:t>
             </a:r>
           </a:p>
         </p:txBody>
       </p:sp>
       <p:cxnSp>
         <p:nvCxnSpPr>
-          <p:cNvPr id="30" name="Straight Connector 20">
+          <p:cNvPr id="106" name="Straight Connector 87">
             <a:extLst>
               <a:ext uri="{FF2B5EF4-FFF2-40B4-BE49-F238E27FC236}">
-                <a16:creationId xmlns:a16="http://schemas.microsoft.com/office/drawing/2014/main" id="{FA6123F2-4B61-414F-A7E5-5B7828EACAE2}"/>
+                <a16:creationId xmlns:a16="http://schemas.microsoft.com/office/drawing/2014/main" id="{EE68D41B-9286-479F-9AB7-678C8E348D71}"/>
               </a:ext>
               <a:ext uri="{C183D7F6-B498-43B3-948B-1728B52AA6E4}">
                 <adec:decorative xmlns:adec="http://schemas.microsoft.com/office/drawing/2017/decorative" val="1"/>
@@ -7031,8 +6202,8 @@
         </p:nvCxnSpPr>
         <p:spPr>
           <a:xfrm>
-            <a:off x="1452617" y="3528543"/>
-            <a:ext cx="4171479" cy="0"/>
+            <a:off x="659301" y="3528543"/>
+            <a:ext cx="2823919" cy="0"/>
           </a:xfrm>
           <a:prstGeom prst="line">
             <a:avLst/>
@@ -7054,21 +6225,281 @@
           </a:fontRef>
         </p:style>
       </p:cxnSp>
+      <p:grpSp>
+        <p:nvGrpSpPr>
+          <p:cNvPr id="107" name="Group 89">
+            <a:extLst>
+              <a:ext uri="{FF2B5EF4-FFF2-40B4-BE49-F238E27FC236}">
+                <a16:creationId xmlns:a16="http://schemas.microsoft.com/office/drawing/2014/main" id="{E8ACF89C-CFC3-4D68-B3C4-2BEFB7BBE5F7}"/>
+              </a:ext>
+              <a:ext uri="{C183D7F6-B498-43B3-948B-1728B52AA6E4}">
+                <adec:decorative xmlns:adec="http://schemas.microsoft.com/office/drawing/2017/decorative" val="1"/>
+              </a:ext>
+            </a:extLst>
+          </p:cNvPr>
+          <p:cNvGrpSpPr>
+            <a:grpSpLocks noGrp="1" noUngrp="1" noRot="1" noChangeAspect="1" noMove="1" noResize="1"/>
+          </p:cNvGrpSpPr>
+          <p:nvPr>
+            <p:extLst>
+              <p:ext uri="{386F3935-93C4-4BCD-93E2-E3B085C9AB24}">
+                <p16:designElem xmlns:p16="http://schemas.microsoft.com/office/powerpoint/2015/main" val="1"/>
+              </p:ext>
+            </p:extLst>
+          </p:nvPr>
+        </p:nvGrpSpPr>
+        <p:grpSpPr>
+          <a:xfrm>
+            <a:off x="3979389" y="482171"/>
+            <a:ext cx="7560115" cy="5149101"/>
+            <a:chOff x="3979389" y="482171"/>
+            <a:chExt cx="7560115" cy="5149101"/>
+          </a:xfrm>
+        </p:grpSpPr>
+        <p:sp>
+          <p:nvSpPr>
+            <p:cNvPr id="91" name="Rectangle 90">
+              <a:extLst>
+                <a:ext uri="{FF2B5EF4-FFF2-40B4-BE49-F238E27FC236}">
+                  <a16:creationId xmlns:a16="http://schemas.microsoft.com/office/drawing/2014/main" id="{3B770B7D-3C5C-4682-8DF0-20783592F3B6}"/>
+                </a:ext>
+                <a:ext uri="{C183D7F6-B498-43B3-948B-1728B52AA6E4}">
+                  <adec:decorative xmlns:adec="http://schemas.microsoft.com/office/drawing/2017/decorative" val="1"/>
+                </a:ext>
+              </a:extLst>
+            </p:cNvPr>
+            <p:cNvSpPr/>
+            <p:nvPr>
+              <p:extLst>
+                <p:ext uri="{386F3935-93C4-4BCD-93E2-E3B085C9AB24}">
+                  <p16:designElem xmlns:p16="http://schemas.microsoft.com/office/powerpoint/2015/main" val="1"/>
+                </p:ext>
+              </p:extLst>
+            </p:nvPr>
+          </p:nvSpPr>
+          <p:spPr>
+            <a:xfrm>
+              <a:off x="3979389" y="482171"/>
+              <a:ext cx="7560115" cy="5149101"/>
+            </a:xfrm>
+            <a:prstGeom prst="rect">
+              <a:avLst/>
+            </a:prstGeom>
+            <a:gradFill>
+              <a:gsLst>
+                <a:gs pos="0">
+                  <a:srgbClr val="000001"/>
+                </a:gs>
+                <a:gs pos="100000">
+                  <a:srgbClr val="191919"/>
+                </a:gs>
+              </a:gsLst>
+            </a:gradFill>
+            <a:ln w="76200" cmpd="sng">
+              <a:noFill/>
+              <a:miter lim="800000"/>
+            </a:ln>
+            <a:effectLst>
+              <a:outerShdw blurRad="127000" dist="228600" dir="4740000" sx="98000" sy="98000" algn="tl" rotWithShape="0">
+                <a:srgbClr val="000000">
+                  <a:alpha val="34000"/>
+                </a:srgbClr>
+              </a:outerShdw>
+            </a:effectLst>
+            <a:scene3d>
+              <a:camera prst="orthographicFront"/>
+              <a:lightRig rig="threePt" dir="t"/>
+            </a:scene3d>
+            <a:sp3d>
+              <a:bevelT w="152400" h="50800" prst="softRound"/>
+            </a:sp3d>
+          </p:spPr>
+          <p:style>
+            <a:lnRef idx="1">
+              <a:schemeClr val="accent1"/>
+            </a:lnRef>
+            <a:fillRef idx="3">
+              <a:schemeClr val="accent1"/>
+            </a:fillRef>
+            <a:effectRef idx="2">
+              <a:schemeClr val="accent1"/>
+            </a:effectRef>
+            <a:fontRef idx="minor">
+              <a:schemeClr val="lt1"/>
+            </a:fontRef>
+          </p:style>
+          <p:txBody>
+            <a:bodyPr rtlCol="0" anchor="ctr"/>
+            <a:lstStyle/>
+            <a:p>
+              <a:pPr algn="ctr"/>
+              <a:endParaRPr lang="en-US"/>
+            </a:p>
+          </p:txBody>
+        </p:sp>
+        <p:sp>
+          <p:nvSpPr>
+            <p:cNvPr id="108" name="Rectangle 91">
+              <a:extLst>
+                <a:ext uri="{FF2B5EF4-FFF2-40B4-BE49-F238E27FC236}">
+                  <a16:creationId xmlns:a16="http://schemas.microsoft.com/office/drawing/2014/main" id="{A6893E11-7EC1-4EB6-A2A8-0B693F8FE576}"/>
+                </a:ext>
+                <a:ext uri="{C183D7F6-B498-43B3-948B-1728B52AA6E4}">
+                  <adec:decorative xmlns:adec="http://schemas.microsoft.com/office/drawing/2017/decorative" val="1"/>
+                </a:ext>
+              </a:extLst>
+            </p:cNvPr>
+            <p:cNvSpPr/>
+            <p:nvPr>
+              <p:extLst>
+                <p:ext uri="{386F3935-93C4-4BCD-93E2-E3B085C9AB24}">
+                  <p16:designElem xmlns:p16="http://schemas.microsoft.com/office/powerpoint/2015/main" val="1"/>
+                </p:ext>
+              </p:extLst>
+            </p:nvPr>
+          </p:nvSpPr>
+          <p:spPr>
+            <a:xfrm>
+              <a:off x="4292448" y="812507"/>
+              <a:ext cx="6928279" cy="4466452"/>
+            </a:xfrm>
+            <a:prstGeom prst="rect">
+              <a:avLst/>
+            </a:prstGeom>
+            <a:gradFill>
+              <a:gsLst>
+                <a:gs pos="0">
+                  <a:srgbClr val="DADADA"/>
+                </a:gs>
+                <a:gs pos="100000">
+                  <a:srgbClr val="FFFFFE"/>
+                </a:gs>
+              </a:gsLst>
+              <a:lin ang="16200000" scaled="0"/>
+            </a:gradFill>
+            <a:ln w="50800" cmpd="sng">
+              <a:solidFill>
+                <a:srgbClr val="191919"/>
+              </a:solidFill>
+              <a:miter lim="800000"/>
+            </a:ln>
+            <a:effectLst>
+              <a:innerShdw blurRad="63500" dist="88900" dir="14100000">
+                <a:srgbClr val="000000">
+                  <a:alpha val="30000"/>
+                </a:srgbClr>
+              </a:innerShdw>
+            </a:effectLst>
+            <a:scene3d>
+              <a:camera prst="orthographicFront"/>
+              <a:lightRig rig="threePt" dir="t"/>
+            </a:scene3d>
+            <a:sp3d>
+              <a:bevelT prst="relaxedInset"/>
+            </a:sp3d>
+          </p:spPr>
+          <p:style>
+            <a:lnRef idx="1">
+              <a:schemeClr val="accent1"/>
+            </a:lnRef>
+            <a:fillRef idx="3">
+              <a:schemeClr val="accent1"/>
+            </a:fillRef>
+            <a:effectRef idx="2">
+              <a:schemeClr val="accent1"/>
+            </a:effectRef>
+            <a:fontRef idx="minor">
+              <a:schemeClr val="lt1"/>
+            </a:fontRef>
+          </p:style>
+          <p:txBody>
+            <a:bodyPr rtlCol="0" anchor="ctr"/>
+            <a:lstStyle/>
+            <a:p>
+              <a:pPr algn="ctr"/>
+              <a:endParaRPr lang="en-US"/>
+            </a:p>
+          </p:txBody>
+        </p:sp>
+      </p:grpSp>
+      <p:sp>
+        <p:nvSpPr>
+          <p:cNvPr id="109" name="Rectangle 93">
+            <a:extLst>
+              <a:ext uri="{FF2B5EF4-FFF2-40B4-BE49-F238E27FC236}">
+                <a16:creationId xmlns:a16="http://schemas.microsoft.com/office/drawing/2014/main" id="{622F7FD7-8884-4FD5-95AB-0B5C6033ADF7}"/>
+              </a:ext>
+              <a:ext uri="{C183D7F6-B498-43B3-948B-1728B52AA6E4}">
+                <adec:decorative xmlns:adec="http://schemas.microsoft.com/office/drawing/2017/decorative" val="1"/>
+              </a:ext>
+            </a:extLst>
+          </p:cNvPr>
+          <p:cNvSpPr>
+            <a:spLocks noGrp="1" noRot="1" noChangeAspect="1" noMove="1" noResize="1" noEditPoints="1" noAdjustHandles="1" noChangeArrowheads="1" noChangeShapeType="1" noTextEdit="1"/>
+          </p:cNvSpPr>
+          <p:nvPr>
+            <p:extLst>
+              <p:ext uri="{386F3935-93C4-4BCD-93E2-E3B085C9AB24}">
+                <p16:designElem xmlns:p16="http://schemas.microsoft.com/office/powerpoint/2015/main" val="1"/>
+              </p:ext>
+            </p:extLst>
+          </p:nvPr>
+        </p:nvSpPr>
+        <p:spPr>
+          <a:xfrm>
+            <a:off x="4455487" y="977965"/>
+            <a:ext cx="6615582" cy="4135339"/>
+          </a:xfrm>
+          <a:prstGeom prst="rect">
+            <a:avLst/>
+          </a:prstGeom>
+          <a:solidFill>
+            <a:schemeClr val="bg1"/>
+          </a:solidFill>
+          <a:ln w="6350">
+            <a:solidFill>
+              <a:schemeClr val="bg2"/>
+            </a:solidFill>
+          </a:ln>
+        </p:spPr>
+        <p:style>
+          <a:lnRef idx="2">
+            <a:schemeClr val="accent1">
+              <a:shade val="50000"/>
+            </a:schemeClr>
+          </a:lnRef>
+          <a:fillRef idx="1">
+            <a:schemeClr val="accent1"/>
+          </a:fillRef>
+          <a:effectRef idx="0">
+            <a:schemeClr val="accent1"/>
+          </a:effectRef>
+          <a:fontRef idx="minor">
+            <a:schemeClr val="lt1"/>
+          </a:fontRef>
+        </p:style>
+        <p:txBody>
+          <a:bodyPr rtlCol="0" anchor="ctr"/>
+          <a:lstStyle/>
+          <a:p>
+            <a:pPr algn="ctr"/>
+            <a:endParaRPr lang="en-US"/>
+          </a:p>
+        </p:txBody>
+      </p:sp>
       <p:pic>
         <p:nvPicPr>
-          <p:cNvPr id="4" name="Espaço Reservado para Conteúdo 3" descr="Tela de computador com jogo&#10;&#10;Descrição gerada automaticamente">
+          <p:cNvPr id="6" name="Picture 5" descr="A diagram of a computer&#10;&#10;Description automatically generated">
             <a:extLst>
               <a:ext uri="{FF2B5EF4-FFF2-40B4-BE49-F238E27FC236}">
-                <a16:creationId xmlns:a16="http://schemas.microsoft.com/office/drawing/2014/main" id="{7FF9F1FA-00B0-59C2-80A4-3373E5E27CCF}"/>
+                <a16:creationId xmlns:a16="http://schemas.microsoft.com/office/drawing/2014/main" id="{9001F6E2-93E7-9CBD-2D2F-467A8FD0C7B7}"/>
               </a:ext>
             </a:extLst>
           </p:cNvPr>
           <p:cNvPicPr>
-            <a:picLocks noGrp="1" noChangeAspect="1"/>
+            <a:picLocks noChangeAspect="1"/>
           </p:cNvPicPr>
-          <p:nvPr>
-            <p:ph idx="1"/>
-          </p:nvPr>
+          <p:nvPr/>
         </p:nvPicPr>
         <p:blipFill>
           <a:blip r:embed="rId3"/>
@@ -7078,8 +6509,8 @@
         </p:blipFill>
         <p:spPr>
           <a:xfrm>
-            <a:off x="6092601" y="371667"/>
-            <a:ext cx="5630811" cy="5443928"/>
+            <a:off x="4841967" y="1116345"/>
+            <a:ext cx="5835732" cy="3866172"/>
           </a:xfrm>
           <a:prstGeom prst="rect">
             <a:avLst/>
@@ -7088,10 +6519,10 @@
       </p:pic>
       <p:pic>
         <p:nvPicPr>
-          <p:cNvPr id="31" name="Picture 22">
+          <p:cNvPr id="110" name="Picture 95">
             <a:extLst>
               <a:ext uri="{FF2B5EF4-FFF2-40B4-BE49-F238E27FC236}">
-                <a16:creationId xmlns:a16="http://schemas.microsoft.com/office/drawing/2014/main" id="{25CED634-E2D0-4AB7-96DD-816C9B52C5CF}"/>
+                <a16:creationId xmlns:a16="http://schemas.microsoft.com/office/drawing/2014/main" id="{16EFE474-4FE0-4E8F-8F09-5ED2C9E76A84}"/>
               </a:ext>
               <a:ext uri="{C183D7F6-B498-43B3-948B-1728B52AA6E4}">
                 <adec:decorative xmlns:adec="http://schemas.microsoft.com/office/drawing/2017/decorative" val="1"/>
@@ -7132,10 +6563,10 @@
       </p:pic>
       <p:cxnSp>
         <p:nvCxnSpPr>
-          <p:cNvPr id="25" name="Straight Connector 24">
+          <p:cNvPr id="111" name="Straight Connector 97">
             <a:extLst>
               <a:ext uri="{FF2B5EF4-FFF2-40B4-BE49-F238E27FC236}">
-                <a16:creationId xmlns:a16="http://schemas.microsoft.com/office/drawing/2014/main" id="{FCDDCDFB-696D-4FDF-9B58-24F71B7C37BC}"/>
+                <a16:creationId xmlns:a16="http://schemas.microsoft.com/office/drawing/2014/main" id="{CF8B8C81-54DC-4AF5-B682-3A2C70A6B55C}"/>
               </a:ext>
               <a:ext uri="{C183D7F6-B498-43B3-948B-1728B52AA6E4}">
                 <adec:decorative xmlns:adec="http://schemas.microsoft.com/office/drawing/2017/decorative" val="1"/>
@@ -7187,7 +6618,72 @@
     </p:spTree>
     <p:extLst>
       <p:ext uri="{BB962C8B-B14F-4D97-AF65-F5344CB8AC3E}">
-        <p14:creationId xmlns:p14="http://schemas.microsoft.com/office/powerpoint/2010/main" val="3899139682"/>
+        <p14:creationId xmlns:p14="http://schemas.microsoft.com/office/powerpoint/2010/main" val="2809099940"/>
+      </p:ext>
+    </p:extLst>
+  </p:cSld>
+  <p:clrMapOvr>
+    <a:masterClrMapping/>
+  </p:clrMapOvr>
+</p:sld>
+</file>
+
+<file path=ppt/slides/slide5.xml><?xml version="1.0" encoding="utf-8"?>
+<p:sld xmlns:a="http://schemas.openxmlformats.org/drawingml/2006/main" xmlns:r="http://schemas.openxmlformats.org/officeDocument/2006/relationships" xmlns:p="http://schemas.openxmlformats.org/presentationml/2006/main">
+  <p:cSld>
+    <p:spTree>
+      <p:nvGrpSpPr>
+        <p:cNvPr id="1" name=""/>
+        <p:cNvGrpSpPr/>
+        <p:nvPr/>
+      </p:nvGrpSpPr>
+      <p:grpSpPr>
+        <a:xfrm>
+          <a:off x="0" y="0"/>
+          <a:ext cx="0" cy="0"/>
+          <a:chOff x="0" y="0"/>
+          <a:chExt cx="0" cy="0"/>
+        </a:xfrm>
+      </p:grpSpPr>
+      <p:sp>
+        <p:nvSpPr>
+          <p:cNvPr id="2" name="Título 1">
+            <a:extLst>
+              <a:ext uri="{FF2B5EF4-FFF2-40B4-BE49-F238E27FC236}">
+                <a16:creationId xmlns:a16="http://schemas.microsoft.com/office/drawing/2014/main" id="{19ED6826-F3E1-3520-287A-0853104CE136}"/>
+              </a:ext>
+            </a:extLst>
+          </p:cNvPr>
+          <p:cNvSpPr>
+            <a:spLocks noGrp="1"/>
+          </p:cNvSpPr>
+          <p:nvPr>
+            <p:ph type="title"/>
+          </p:nvPr>
+        </p:nvSpPr>
+        <p:spPr>
+          <a:xfrm>
+            <a:off x="1430413" y="2148603"/>
+            <a:ext cx="10291191" cy="1197401"/>
+          </a:xfrm>
+        </p:spPr>
+        <p:txBody>
+          <a:bodyPr>
+            <a:normAutofit/>
+          </a:bodyPr>
+          <a:lstStyle/>
+          <a:p>
+            <a:r>
+              <a:rPr lang="pt-BR" sz="3600" dirty="0"/>
+              <a:t>Hora de ver o código Em execução</a:t>
+            </a:r>
+          </a:p>
+        </p:txBody>
+      </p:sp>
+    </p:spTree>
+    <p:extLst>
+      <p:ext uri="{BB962C8B-B14F-4D97-AF65-F5344CB8AC3E}">
+        <p14:creationId xmlns:p14="http://schemas.microsoft.com/office/powerpoint/2010/main" val="3691561359"/>
       </p:ext>
     </p:extLst>
   </p:cSld>
@@ -7219,7 +6715,7 @@
           <p:cNvPr id="2" name="Título 1">
             <a:extLst>
               <a:ext uri="{FF2B5EF4-FFF2-40B4-BE49-F238E27FC236}">
-                <a16:creationId xmlns:a16="http://schemas.microsoft.com/office/drawing/2014/main" id="{19ED6826-F3E1-3520-287A-0853104CE136}"/>
+                <a16:creationId xmlns:a16="http://schemas.microsoft.com/office/drawing/2014/main" id="{5671D956-E789-C63A-04EC-105256E75CBA}"/>
               </a:ext>
             </a:extLst>
           </p:cNvPr>
@@ -7232,19 +6728,29 @@
         </p:nvSpPr>
         <p:spPr>
           <a:xfrm>
-            <a:off x="1430413" y="2148603"/>
-            <a:ext cx="10291191" cy="1197401"/>
+            <a:off x="1345746" y="2116852"/>
+            <a:ext cx="10534608" cy="1049235"/>
           </a:xfrm>
         </p:spPr>
         <p:txBody>
           <a:bodyPr>
-            <a:normAutofit/>
+            <a:noAutofit/>
           </a:bodyPr>
           <a:lstStyle/>
           <a:p>
             <a:r>
-              <a:rPr lang="pt-BR" sz="3600" dirty="0"/>
-              <a:t>Hora de ver o código Em execução</a:t>
+              <a:rPr lang="pt-BR" sz="3600" dirty="0">
+                <a:ea typeface="+mj-lt"/>
+                <a:cs typeface="+mj-lt"/>
+              </a:rPr>
+              <a:t>HORA DE  VER os controles de qualidade</a:t>
+            </a:r>
+            <a:r>
+              <a:rPr lang="pt-BR" sz="4000" dirty="0">
+                <a:ea typeface="+mj-lt"/>
+                <a:cs typeface="+mj-lt"/>
+              </a:rPr>
+              <a:t> </a:t>
             </a:r>
           </a:p>
         </p:txBody>
@@ -7252,7 +6758,7 @@
     </p:spTree>
     <p:extLst>
       <p:ext uri="{BB962C8B-B14F-4D97-AF65-F5344CB8AC3E}">
-        <p14:creationId xmlns:p14="http://schemas.microsoft.com/office/powerpoint/2010/main" val="3691561359"/>
+        <p14:creationId xmlns:p14="http://schemas.microsoft.com/office/powerpoint/2010/main" val="2524689114"/>
       </p:ext>
     </p:extLst>
   </p:cSld>
@@ -7284,7 +6790,7 @@
           <p:cNvPr id="2" name="Título 1">
             <a:extLst>
               <a:ext uri="{FF2B5EF4-FFF2-40B4-BE49-F238E27FC236}">
-                <a16:creationId xmlns:a16="http://schemas.microsoft.com/office/drawing/2014/main" id="{5671D956-E789-C63A-04EC-105256E75CBA}"/>
+                <a16:creationId xmlns:a16="http://schemas.microsoft.com/office/drawing/2014/main" id="{4ADA88E5-BC2C-ECBF-7894-3560B6D185EA}"/>
               </a:ext>
             </a:extLst>
           </p:cNvPr>
@@ -7295,39 +6801,291 @@
             <p:ph type="title"/>
           </p:nvPr>
         </p:nvSpPr>
-        <p:spPr>
-          <a:xfrm>
-            <a:off x="1345746" y="2116852"/>
-            <a:ext cx="10534608" cy="1049235"/>
-          </a:xfrm>
-        </p:spPr>
-        <p:txBody>
-          <a:bodyPr>
-            <a:noAutofit/>
-          </a:bodyPr>
+        <p:spPr/>
+        <p:txBody>
+          <a:bodyPr/>
           <a:lstStyle/>
           <a:p>
             <a:r>
-              <a:rPr lang="pt-BR" sz="3600" dirty="0">
-                <a:ea typeface="+mj-lt"/>
-                <a:cs typeface="+mj-lt"/>
+              <a:rPr lang="pt-BR" dirty="0"/>
+              <a:t>Referencias</a:t>
+            </a:r>
+          </a:p>
+        </p:txBody>
+      </p:sp>
+      <p:sp>
+        <p:nvSpPr>
+          <p:cNvPr id="3" name="Espaço Reservado para Conteúdo 2">
+            <a:extLst>
+              <a:ext uri="{FF2B5EF4-FFF2-40B4-BE49-F238E27FC236}">
+                <a16:creationId xmlns:a16="http://schemas.microsoft.com/office/drawing/2014/main" id="{B743F031-F763-1E5A-684F-6915CC006F26}"/>
+              </a:ext>
+            </a:extLst>
+          </p:cNvPr>
+          <p:cNvSpPr>
+            <a:spLocks noGrp="1"/>
+          </p:cNvSpPr>
+          <p:nvPr>
+            <p:ph idx="1"/>
+          </p:nvPr>
+        </p:nvSpPr>
+        <p:spPr/>
+        <p:txBody>
+          <a:bodyPr/>
+          <a:lstStyle/>
+          <a:p>
+            <a:r>
+              <a:rPr lang="pt-BR" dirty="0">
+                <a:ea typeface="+mn-lt"/>
+                <a:cs typeface="+mn-lt"/>
               </a:rPr>
-              <a:t>HORA DE  VER os controles de qualidade</a:t>
-            </a:r>
-            <a:r>
-              <a:rPr lang="pt-BR" sz="4000" dirty="0">
-                <a:ea typeface="+mj-lt"/>
-                <a:cs typeface="+mj-lt"/>
+              <a:t>[</a:t>
+            </a:r>
+            <a:r>
+              <a:rPr lang="pt-BR" dirty="0" err="1">
+                <a:ea typeface="+mn-lt"/>
+                <a:cs typeface="+mn-lt"/>
               </a:rPr>
-              <a:t> </a:t>
-            </a:r>
+              <a:t>Playwright</a:t>
+            </a:r>
+            <a:r>
+              <a:rPr lang="pt-BR" dirty="0">
+                <a:ea typeface="+mn-lt"/>
+                <a:cs typeface="+mn-lt"/>
+              </a:rPr>
+              <a:t>] . </a:t>
+            </a:r>
+            <a:r>
+              <a:rPr lang="pt-BR" dirty="0" err="1">
+                <a:ea typeface="+mn-lt"/>
+                <a:cs typeface="+mn-lt"/>
+              </a:rPr>
+              <a:t>Playwright</a:t>
+            </a:r>
+            <a:r>
+              <a:rPr lang="pt-BR" dirty="0">
+                <a:ea typeface="+mn-lt"/>
+                <a:cs typeface="+mn-lt"/>
+              </a:rPr>
+              <a:t> </a:t>
+            </a:r>
+            <a:r>
+              <a:rPr lang="pt-BR" dirty="0" err="1">
+                <a:ea typeface="+mn-lt"/>
+                <a:cs typeface="+mn-lt"/>
+              </a:rPr>
+              <a:t>Documentation</a:t>
+            </a:r>
+            <a:r>
+              <a:rPr lang="pt-BR" dirty="0">
+                <a:ea typeface="+mn-lt"/>
+                <a:cs typeface="+mn-lt"/>
+              </a:rPr>
+              <a:t>. </a:t>
+            </a:r>
+            <a:r>
+              <a:rPr lang="pt-BR" dirty="0">
+                <a:ea typeface="+mn-lt"/>
+                <a:cs typeface="+mn-lt"/>
+                <a:hlinkClick r:id="rId2"/>
+              </a:rPr>
+              <a:t>https://playwright.dev/</a:t>
+            </a:r>
+            <a:endParaRPr lang="pt-BR">
+              <a:ea typeface="+mn-lt"/>
+              <a:cs typeface="+mn-lt"/>
+            </a:endParaRPr>
+          </a:p>
+          <a:p>
+            <a:r>
+              <a:rPr lang="pt-BR" dirty="0"/>
+              <a:t>[</a:t>
+            </a:r>
+            <a:r>
+              <a:rPr lang="pt-BR" err="1"/>
+              <a:t>Vitest</a:t>
+            </a:r>
+            <a:r>
+              <a:rPr lang="pt-BR" dirty="0"/>
+              <a:t>] . </a:t>
+            </a:r>
+            <a:r>
+              <a:rPr lang="pt-BR" err="1"/>
+              <a:t>Vitest</a:t>
+            </a:r>
+            <a:r>
+              <a:rPr lang="pt-BR" dirty="0"/>
+              <a:t> </a:t>
+            </a:r>
+            <a:r>
+              <a:rPr lang="pt-BR" err="1"/>
+              <a:t>Documentation</a:t>
+            </a:r>
+            <a:r>
+              <a:rPr lang="pt-BR" dirty="0"/>
+              <a:t> . </a:t>
+            </a:r>
+            <a:r>
+              <a:rPr lang="pt-BR" dirty="0">
+                <a:ea typeface="+mn-lt"/>
+                <a:cs typeface="+mn-lt"/>
+                <a:hlinkClick r:id="rId3"/>
+              </a:rPr>
+              <a:t>https://vitest.dev/</a:t>
+            </a:r>
+          </a:p>
+          <a:p>
+            <a:r>
+              <a:rPr lang="pt-BR" dirty="0"/>
+              <a:t>[Vite] . Vite </a:t>
+            </a:r>
+            <a:r>
+              <a:rPr lang="pt-BR" dirty="0" err="1"/>
+              <a:t>Documentation</a:t>
+            </a:r>
+            <a:r>
+              <a:rPr lang="pt-BR" dirty="0"/>
+              <a:t> . </a:t>
+            </a:r>
+            <a:r>
+              <a:rPr lang="pt-BR" dirty="0">
+                <a:ea typeface="+mn-lt"/>
+                <a:cs typeface="+mn-lt"/>
+                <a:hlinkClick r:id="rId4"/>
+              </a:rPr>
+              <a:t>https://vitejs.dev/</a:t>
+            </a:r>
+          </a:p>
+          <a:p>
+            <a:r>
+              <a:rPr lang="pt-BR" dirty="0"/>
+              <a:t>[</a:t>
+            </a:r>
+            <a:r>
+              <a:rPr lang="pt-BR" dirty="0" err="1"/>
+              <a:t>Bootstrap</a:t>
+            </a:r>
+            <a:r>
+              <a:rPr lang="pt-BR" dirty="0"/>
+              <a:t>] . </a:t>
+            </a:r>
+            <a:r>
+              <a:rPr lang="pt-BR" dirty="0" err="1"/>
+              <a:t>Bootstrap</a:t>
+            </a:r>
+            <a:r>
+              <a:rPr lang="pt-BR" dirty="0"/>
+              <a:t> </a:t>
+            </a:r>
+            <a:r>
+              <a:rPr lang="pt-BR" dirty="0" err="1"/>
+              <a:t>Documentation</a:t>
+            </a:r>
+            <a:r>
+              <a:rPr lang="pt-BR" dirty="0"/>
+              <a:t> . </a:t>
+            </a:r>
+            <a:r>
+              <a:rPr lang="pt-BR" dirty="0">
+                <a:ea typeface="+mn-lt"/>
+                <a:cs typeface="+mn-lt"/>
+                <a:hlinkClick r:id="rId5"/>
+              </a:rPr>
+              <a:t>https://getbootstrap.com/</a:t>
+            </a:r>
+            <a:endParaRPr lang="pt-BR" dirty="0"/>
+          </a:p>
+          <a:p>
+            <a:r>
+              <a:rPr lang="pt-BR" dirty="0"/>
+              <a:t>[Composer] . Composer </a:t>
+            </a:r>
+            <a:r>
+              <a:rPr lang="pt-BR" dirty="0" err="1"/>
+              <a:t>Documentation</a:t>
+            </a:r>
+            <a:r>
+              <a:rPr lang="pt-BR" dirty="0"/>
+              <a:t> . </a:t>
+            </a:r>
+            <a:r>
+              <a:rPr lang="pt-BR" dirty="0">
+                <a:ea typeface="+mn-lt"/>
+                <a:cs typeface="+mn-lt"/>
+                <a:hlinkClick r:id="rId6"/>
+              </a:rPr>
+              <a:t>https://getcomposer.org/</a:t>
+            </a:r>
+          </a:p>
+          <a:p>
+            <a:r>
+              <a:rPr lang="pt-BR" dirty="0"/>
+              <a:t>[</a:t>
+            </a:r>
+            <a:r>
+              <a:rPr lang="pt-BR" dirty="0" err="1">
+                <a:ea typeface="+mn-lt"/>
+                <a:cs typeface="+mn-lt"/>
+              </a:rPr>
+              <a:t>Kahlan</a:t>
+            </a:r>
+            <a:r>
+              <a:rPr lang="pt-BR" dirty="0">
+                <a:ea typeface="+mn-lt"/>
+                <a:cs typeface="+mn-lt"/>
+              </a:rPr>
+              <a:t>] . </a:t>
+            </a:r>
+            <a:r>
+              <a:rPr lang="pt-BR" dirty="0" err="1">
+                <a:ea typeface="+mn-lt"/>
+                <a:cs typeface="+mn-lt"/>
+              </a:rPr>
+              <a:t>Kahlan</a:t>
+            </a:r>
+            <a:r>
+              <a:rPr lang="pt-BR" dirty="0">
+                <a:ea typeface="+mn-lt"/>
+                <a:cs typeface="+mn-lt"/>
+              </a:rPr>
+              <a:t> </a:t>
+            </a:r>
+            <a:r>
+              <a:rPr lang="pt-BR" dirty="0" err="1">
+                <a:ea typeface="+mn-lt"/>
+                <a:cs typeface="+mn-lt"/>
+              </a:rPr>
+              <a:t>Documentation</a:t>
+            </a:r>
+            <a:r>
+              <a:rPr lang="pt-BR" dirty="0">
+                <a:ea typeface="+mn-lt"/>
+                <a:cs typeface="+mn-lt"/>
+              </a:rPr>
+              <a:t> . </a:t>
+            </a:r>
+            <a:r>
+              <a:rPr lang="pt-BR" dirty="0">
+                <a:ea typeface="+mn-lt"/>
+                <a:cs typeface="+mn-lt"/>
+                <a:hlinkClick r:id="rId7"/>
+              </a:rPr>
+              <a:t>https://kahlan.github.io/docs/</a:t>
+            </a:r>
+            <a:endParaRPr lang="pt-BR" dirty="0">
+              <a:ea typeface="+mn-lt"/>
+              <a:cs typeface="+mn-lt"/>
+            </a:endParaRPr>
+          </a:p>
+          <a:p>
+            <a:endParaRPr lang="pt-BR" dirty="0"/>
           </a:p>
         </p:txBody>
       </p:sp>
     </p:spTree>
     <p:extLst>
       <p:ext uri="{BB962C8B-B14F-4D97-AF65-F5344CB8AC3E}">
-        <p14:creationId xmlns:p14="http://schemas.microsoft.com/office/powerpoint/2010/main" val="2524689114"/>
+        <p14:creationId xmlns:p14="http://schemas.microsoft.com/office/powerpoint/2010/main" val="862268343"/>
       </p:ext>
     </p:extLst>
   </p:cSld>
@@ -7359,7 +7117,7 @@
           <p:cNvPr id="2" name="Título 1">
             <a:extLst>
               <a:ext uri="{FF2B5EF4-FFF2-40B4-BE49-F238E27FC236}">
-                <a16:creationId xmlns:a16="http://schemas.microsoft.com/office/drawing/2014/main" id="{4ADA88E5-BC2C-ECBF-7894-3560B6D185EA}"/>
+                <a16:creationId xmlns:a16="http://schemas.microsoft.com/office/drawing/2014/main" id="{9F4C72B7-DD5D-7647-B189-526F5A4C64CE}"/>
               </a:ext>
             </a:extLst>
           </p:cNvPr>
@@ -7377,7 +7135,7 @@
           <a:p>
             <a:r>
               <a:rPr lang="pt-BR" dirty="0"/>
-              <a:t>Referencias</a:t>
+              <a:t>Perguntas</a:t>
             </a:r>
           </a:p>
         </p:txBody>
@@ -7387,7 +7145,7 @@
           <p:cNvPr id="3" name="Espaço Reservado para Conteúdo 2">
             <a:extLst>
               <a:ext uri="{FF2B5EF4-FFF2-40B4-BE49-F238E27FC236}">
-                <a16:creationId xmlns:a16="http://schemas.microsoft.com/office/drawing/2014/main" id="{B743F031-F763-1E5A-684F-6915CC006F26}"/>
+                <a16:creationId xmlns:a16="http://schemas.microsoft.com/office/drawing/2014/main" id="{446F5A27-CDA0-AE00-88A1-DD0E13DDA911}"/>
               </a:ext>
             </a:extLst>
           </p:cNvPr>
@@ -7403,250 +7161,39 @@
           <a:bodyPr/>
           <a:lstStyle/>
           <a:p>
-            <a:r>
-              <a:rPr lang="pt-BR" dirty="0">
-                <a:ea typeface="+mn-lt"/>
-                <a:cs typeface="+mn-lt"/>
-              </a:rPr>
-              <a:t>[</a:t>
-            </a:r>
-            <a:r>
-              <a:rPr lang="pt-BR" dirty="0" err="1">
-                <a:ea typeface="+mn-lt"/>
-                <a:cs typeface="+mn-lt"/>
-              </a:rPr>
-              <a:t>Playwright</a:t>
-            </a:r>
-            <a:r>
-              <a:rPr lang="pt-BR" dirty="0">
-                <a:ea typeface="+mn-lt"/>
-                <a:cs typeface="+mn-lt"/>
-              </a:rPr>
-              <a:t>] . </a:t>
-            </a:r>
-            <a:r>
-              <a:rPr lang="pt-BR" dirty="0" err="1">
-                <a:ea typeface="+mn-lt"/>
-                <a:cs typeface="+mn-lt"/>
-              </a:rPr>
-              <a:t>Playwright</a:t>
-            </a:r>
-            <a:r>
-              <a:rPr lang="pt-BR" dirty="0">
-                <a:ea typeface="+mn-lt"/>
-                <a:cs typeface="+mn-lt"/>
-              </a:rPr>
-              <a:t> </a:t>
-            </a:r>
-            <a:r>
-              <a:rPr lang="pt-BR" dirty="0" err="1">
-                <a:ea typeface="+mn-lt"/>
-                <a:cs typeface="+mn-lt"/>
-              </a:rPr>
-              <a:t>Documentation</a:t>
-            </a:r>
-            <a:r>
-              <a:rPr lang="pt-BR" dirty="0">
-                <a:ea typeface="+mn-lt"/>
-                <a:cs typeface="+mn-lt"/>
-              </a:rPr>
-              <a:t>. </a:t>
-            </a:r>
-            <a:r>
-              <a:rPr lang="pt-BR" dirty="0">
-                <a:ea typeface="+mn-lt"/>
-                <a:cs typeface="+mn-lt"/>
+            <a:pPr marL="0" indent="0">
+              <a:buNone/>
+            </a:pPr>
+            <a:r>
+              <a:rPr lang="pt-BR" sz="1700" cap="all" dirty="0">
+                <a:latin typeface="Segoe UI"/>
+                <a:cs typeface="Segoe UI"/>
                 <a:hlinkClick r:id="rId2"/>
               </a:rPr>
-              <a:t>https://playwright.dev/</a:t>
-            </a:r>
-            <a:endParaRPr lang="pt-BR">
-              <a:ea typeface="+mn-lt"/>
-              <a:cs typeface="+mn-lt"/>
-            </a:endParaRPr>
-          </a:p>
-          <a:p>
-            <a:r>
-              <a:rPr lang="pt-BR" dirty="0"/>
-              <a:t>[</a:t>
-            </a:r>
-            <a:r>
-              <a:rPr lang="pt-BR" err="1"/>
-              <a:t>Vitest</a:t>
-            </a:r>
-            <a:r>
-              <a:rPr lang="pt-BR" dirty="0"/>
-              <a:t>] . </a:t>
-            </a:r>
-            <a:r>
-              <a:rPr lang="pt-BR" err="1"/>
-              <a:t>Vitest</a:t>
-            </a:r>
-            <a:r>
-              <a:rPr lang="pt-BR" dirty="0"/>
-              <a:t> </a:t>
-            </a:r>
-            <a:r>
-              <a:rPr lang="pt-BR" err="1"/>
-              <a:t>Documentation</a:t>
-            </a:r>
-            <a:r>
-              <a:rPr lang="pt-BR" dirty="0"/>
-              <a:t> . </a:t>
-            </a:r>
-            <a:r>
-              <a:rPr lang="pt-BR" dirty="0">
-                <a:ea typeface="+mn-lt"/>
-                <a:cs typeface="+mn-lt"/>
+              <a:t>RODRIGO.ZACHARIAS@ALUNO.CEFET-RJ.BR</a:t>
+            </a:r>
+            <a:r>
+              <a:rPr lang="pt-BR" sz="1700" cap="all" dirty="0">
+                <a:latin typeface="Segoe UI"/>
+                <a:cs typeface="Segoe UI"/>
+              </a:rPr>
+              <a:t> E </a:t>
+            </a:r>
+            <a:r>
+              <a:rPr lang="pt-BR" sz="1700" cap="all" dirty="0">
+                <a:latin typeface="Segoe UI"/>
+                <a:cs typeface="Segoe UI"/>
                 <a:hlinkClick r:id="rId3"/>
               </a:rPr>
-              <a:t>https://vitest.dev/</a:t>
-            </a:r>
-          </a:p>
-          <a:p>
-            <a:r>
-              <a:rPr lang="pt-BR" dirty="0"/>
-              <a:t>[Vite] . Vite </a:t>
-            </a:r>
-            <a:r>
-              <a:rPr lang="pt-BR" dirty="0" err="1"/>
-              <a:t>Documentation</a:t>
-            </a:r>
-            <a:r>
-              <a:rPr lang="pt-BR" dirty="0"/>
-              <a:t> . </a:t>
-            </a:r>
-            <a:r>
-              <a:rPr lang="pt-BR" dirty="0">
-                <a:ea typeface="+mn-lt"/>
-                <a:cs typeface="+mn-lt"/>
-                <a:hlinkClick r:id="rId4"/>
+              <a:t>RAUL.FERNANDES@ALUNO.CEFET-RJ.BR</a:t>
+            </a:r>
+            <a:r>
+              <a:rPr lang="pt-BR" sz="1700" cap="all" dirty="0">
+                <a:latin typeface="Segoe UI"/>
+                <a:cs typeface="Segoe UI"/>
               </a:rPr>
-              <a:t>https://vitejs.dev/</a:t>
-            </a:r>
-          </a:p>
-          <a:p>
-            <a:r>
-              <a:rPr lang="pt-BR" dirty="0"/>
-              <a:t>[</a:t>
-            </a:r>
-            <a:r>
-              <a:rPr lang="pt-BR" dirty="0" err="1"/>
-              <a:t>Bootstrap</a:t>
-            </a:r>
-            <a:r>
-              <a:rPr lang="pt-BR" dirty="0"/>
-              <a:t>] . </a:t>
-            </a:r>
-            <a:r>
-              <a:rPr lang="pt-BR" dirty="0" err="1"/>
-              <a:t>Bootstrap</a:t>
-            </a:r>
-            <a:r>
-              <a:rPr lang="pt-BR" dirty="0"/>
-              <a:t> </a:t>
-            </a:r>
-            <a:r>
-              <a:rPr lang="pt-BR" dirty="0" err="1"/>
-              <a:t>Documentation</a:t>
-            </a:r>
-            <a:r>
-              <a:rPr lang="pt-BR" dirty="0"/>
-              <a:t> . </a:t>
-            </a:r>
-            <a:r>
-              <a:rPr lang="pt-BR" dirty="0">
-                <a:ea typeface="+mn-lt"/>
-                <a:cs typeface="+mn-lt"/>
-                <a:hlinkClick r:id="rId5"/>
-              </a:rPr>
-              <a:t>https://getbootstrap.com/</a:t>
-            </a:r>
-            <a:endParaRPr lang="pt-BR" dirty="0"/>
-          </a:p>
-          <a:p>
-            <a:r>
-              <a:rPr lang="pt-BR" dirty="0"/>
-              <a:t>[Composer] . Composer </a:t>
-            </a:r>
-            <a:r>
-              <a:rPr lang="pt-BR" dirty="0" err="1"/>
-              <a:t>Documentation</a:t>
-            </a:r>
-            <a:r>
-              <a:rPr lang="pt-BR" dirty="0"/>
-              <a:t> . </a:t>
-            </a:r>
-            <a:r>
-              <a:rPr lang="pt-BR" dirty="0">
-                <a:ea typeface="+mn-lt"/>
-                <a:cs typeface="+mn-lt"/>
-                <a:hlinkClick r:id="rId6"/>
-              </a:rPr>
-              <a:t>https://getcomposer.org/</a:t>
-            </a:r>
-          </a:p>
-          <a:p>
-            <a:r>
-              <a:rPr lang="pt-BR" dirty="0"/>
-              <a:t>[</a:t>
-            </a:r>
-            <a:r>
-              <a:rPr lang="pt-BR" dirty="0" err="1">
-                <a:ea typeface="+mn-lt"/>
-                <a:cs typeface="+mn-lt"/>
-              </a:rPr>
-              <a:t>Kahlan</a:t>
-            </a:r>
-            <a:r>
-              <a:rPr lang="pt-BR" dirty="0">
-                <a:ea typeface="+mn-lt"/>
-                <a:cs typeface="+mn-lt"/>
-              </a:rPr>
-              <a:t>] . </a:t>
-            </a:r>
-            <a:r>
-              <a:rPr lang="pt-BR" dirty="0" err="1">
-                <a:ea typeface="+mn-lt"/>
-                <a:cs typeface="+mn-lt"/>
-              </a:rPr>
-              <a:t>Kahlan</a:t>
-            </a:r>
-            <a:r>
-              <a:rPr lang="pt-BR" dirty="0">
-                <a:ea typeface="+mn-lt"/>
-                <a:cs typeface="+mn-lt"/>
-              </a:rPr>
-              <a:t> </a:t>
-            </a:r>
-            <a:r>
-              <a:rPr lang="pt-BR" dirty="0" err="1">
-                <a:ea typeface="+mn-lt"/>
-                <a:cs typeface="+mn-lt"/>
-              </a:rPr>
-              <a:t>Documentation</a:t>
-            </a:r>
-            <a:r>
-              <a:rPr lang="pt-BR" dirty="0">
-                <a:ea typeface="+mn-lt"/>
-                <a:cs typeface="+mn-lt"/>
-              </a:rPr>
-              <a:t> . </a:t>
-            </a:r>
-            <a:r>
-              <a:rPr lang="pt-BR" dirty="0">
-                <a:ea typeface="+mn-lt"/>
-                <a:cs typeface="+mn-lt"/>
-                <a:hlinkClick r:id="rId7"/>
-              </a:rPr>
-              <a:t>https://kahlan.github.io/docs/</a:t>
-            </a:r>
-            <a:endParaRPr lang="pt-BR" dirty="0">
-              <a:ea typeface="+mn-lt"/>
-              <a:cs typeface="+mn-lt"/>
-            </a:endParaRPr>
-          </a:p>
-          <a:p>
+              <a:t> </a:t>
+            </a:r>
             <a:endParaRPr lang="pt-BR" dirty="0"/>
           </a:p>
         </p:txBody>
@@ -7654,7 +7201,7 @@
     </p:spTree>
     <p:extLst>
       <p:ext uri="{BB962C8B-B14F-4D97-AF65-F5344CB8AC3E}">
-        <p14:creationId xmlns:p14="http://schemas.microsoft.com/office/powerpoint/2010/main" val="862268343"/>
+        <p14:creationId xmlns:p14="http://schemas.microsoft.com/office/powerpoint/2010/main" val="3264167353"/>
       </p:ext>
     </p:extLst>
   </p:cSld>
@@ -7686,7 +7233,7 @@
           <p:cNvPr id="2" name="Título 1">
             <a:extLst>
               <a:ext uri="{FF2B5EF4-FFF2-40B4-BE49-F238E27FC236}">
-                <a16:creationId xmlns:a16="http://schemas.microsoft.com/office/drawing/2014/main" id="{9F4C72B7-DD5D-7647-B189-526F5A4C64CE}"/>
+                <a16:creationId xmlns:a16="http://schemas.microsoft.com/office/drawing/2014/main" id="{E89D6250-F32D-8646-B8F9-75CED9B71B9A}"/>
               </a:ext>
             </a:extLst>
           </p:cNvPr>
@@ -7697,80 +7244,29 @@
             <p:ph type="title"/>
           </p:nvPr>
         </p:nvSpPr>
-        <p:spPr/>
-        <p:txBody>
-          <a:bodyPr/>
+        <p:spPr>
+          <a:xfrm>
+            <a:off x="5420329" y="2582520"/>
+            <a:ext cx="1337692" cy="1049235"/>
+          </a:xfrm>
+        </p:spPr>
+        <p:txBody>
+          <a:bodyPr>
+            <a:normAutofit/>
+          </a:bodyPr>
           <a:lstStyle/>
           <a:p>
             <a:r>
-              <a:rPr lang="pt-BR" dirty="0"/>
-              <a:t>Perguntas</a:t>
-            </a:r>
-          </a:p>
-        </p:txBody>
-      </p:sp>
-      <p:sp>
-        <p:nvSpPr>
-          <p:cNvPr id="3" name="Espaço Reservado para Conteúdo 2">
-            <a:extLst>
-              <a:ext uri="{FF2B5EF4-FFF2-40B4-BE49-F238E27FC236}">
-                <a16:creationId xmlns:a16="http://schemas.microsoft.com/office/drawing/2014/main" id="{446F5A27-CDA0-AE00-88A1-DD0E13DDA911}"/>
-              </a:ext>
-            </a:extLst>
-          </p:cNvPr>
-          <p:cNvSpPr>
-            <a:spLocks noGrp="1"/>
-          </p:cNvSpPr>
-          <p:nvPr>
-            <p:ph idx="1"/>
-          </p:nvPr>
-        </p:nvSpPr>
-        <p:spPr/>
-        <p:txBody>
-          <a:bodyPr/>
-          <a:lstStyle/>
-          <a:p>
-            <a:pPr marL="0" indent="0">
-              <a:buNone/>
-            </a:pPr>
-            <a:r>
-              <a:rPr lang="pt-BR" sz="1700" cap="all" dirty="0">
-                <a:latin typeface="Segoe UI"/>
-                <a:cs typeface="Segoe UI"/>
-                <a:hlinkClick r:id="rId2"/>
-              </a:rPr>
-              <a:t>RODRIGO.ZACHARIAS@ALUNO.CEFET-RJ.BR</a:t>
-            </a:r>
-            <a:r>
-              <a:rPr lang="pt-BR" sz="1700" cap="all" dirty="0">
-                <a:latin typeface="Segoe UI"/>
-                <a:cs typeface="Segoe UI"/>
-              </a:rPr>
-              <a:t> E </a:t>
-            </a:r>
-            <a:r>
-              <a:rPr lang="pt-BR" sz="1700" cap="all" dirty="0">
-                <a:latin typeface="Segoe UI"/>
-                <a:cs typeface="Segoe UI"/>
-                <a:hlinkClick r:id="rId3"/>
-              </a:rPr>
-              <a:t>RAUL.FERNANDES@ALUNO.CEFET-RJ.BR</a:t>
-            </a:r>
-            <a:r>
-              <a:rPr lang="pt-BR" sz="1700" cap="all" dirty="0">
-                <a:latin typeface="Segoe UI"/>
-                <a:cs typeface="Segoe UI"/>
-              </a:rPr>
-              <a:t> </a:t>
-            </a:r>
-            <a:endParaRPr lang="pt-BR" dirty="0"/>
+              <a:rPr lang="pt-BR" sz="6000" dirty="0"/>
+              <a:t>Fim</a:t>
+            </a:r>
           </a:p>
         </p:txBody>
       </p:sp>
     </p:spTree>
     <p:extLst>
       <p:ext uri="{BB962C8B-B14F-4D97-AF65-F5344CB8AC3E}">
-        <p14:creationId xmlns:p14="http://schemas.microsoft.com/office/powerpoint/2010/main" val="3264167353"/>
+        <p14:creationId xmlns:p14="http://schemas.microsoft.com/office/powerpoint/2010/main" val="714677676"/>
       </p:ext>
     </p:extLst>
   </p:cSld>

--- a/Apresentacao.pptx
+++ b/Apresentacao.pptx
@@ -6489,36 +6489,6 @@
       </p:sp>
       <p:pic>
         <p:nvPicPr>
-          <p:cNvPr id="6" name="Picture 5" descr="A diagram of a computer&#10;&#10;Description automatically generated">
-            <a:extLst>
-              <a:ext uri="{FF2B5EF4-FFF2-40B4-BE49-F238E27FC236}">
-                <a16:creationId xmlns:a16="http://schemas.microsoft.com/office/drawing/2014/main" id="{9001F6E2-93E7-9CBD-2D2F-467A8FD0C7B7}"/>
-              </a:ext>
-            </a:extLst>
-          </p:cNvPr>
-          <p:cNvPicPr>
-            <a:picLocks noChangeAspect="1"/>
-          </p:cNvPicPr>
-          <p:nvPr/>
-        </p:nvPicPr>
-        <p:blipFill>
-          <a:blip r:embed="rId3"/>
-          <a:stretch>
-            <a:fillRect/>
-          </a:stretch>
-        </p:blipFill>
-        <p:spPr>
-          <a:xfrm>
-            <a:off x="4841967" y="1116345"/>
-            <a:ext cx="5835732" cy="3866172"/>
-          </a:xfrm>
-          <a:prstGeom prst="rect">
-            <a:avLst/>
-          </a:prstGeom>
-        </p:spPr>
-      </p:pic>
-      <p:pic>
-        <p:nvPicPr>
           <p:cNvPr id="110" name="Picture 95">
             <a:extLst>
               <a:ext uri="{FF2B5EF4-FFF2-40B4-BE49-F238E27FC236}">
@@ -6615,6 +6585,36 @@
           </a:fontRef>
         </p:style>
       </p:cxnSp>
+      <p:pic>
+        <p:nvPicPr>
+          <p:cNvPr id="4" name="Picture 3">
+            <a:extLst>
+              <a:ext uri="{FF2B5EF4-FFF2-40B4-BE49-F238E27FC236}">
+                <a16:creationId xmlns:a16="http://schemas.microsoft.com/office/drawing/2014/main" id="{72D052C3-6899-1CC5-CAC3-565E2621EB34}"/>
+              </a:ext>
+            </a:extLst>
+          </p:cNvPr>
+          <p:cNvPicPr>
+            <a:picLocks noChangeAspect="1"/>
+          </p:cNvPicPr>
+          <p:nvPr/>
+        </p:nvPicPr>
+        <p:blipFill>
+          <a:blip r:embed="rId3"/>
+          <a:stretch>
+            <a:fillRect/>
+          </a:stretch>
+        </p:blipFill>
+        <p:spPr>
+          <a:xfrm>
+            <a:off x="4677895" y="1010107"/>
+            <a:ext cx="6157383" cy="4076294"/>
+          </a:xfrm>
+          <a:prstGeom prst="rect">
+            <a:avLst/>
+          </a:prstGeom>
+        </p:spPr>
+      </p:pic>
     </p:spTree>
     <p:extLst>
       <p:ext uri="{BB962C8B-B14F-4D97-AF65-F5344CB8AC3E}">

--- a/Apresentacao.pptx
+++ b/Apresentacao.pptx
@@ -6835,53 +6835,8 @@
           <a:lstStyle/>
           <a:p>
             <a:r>
-              <a:rPr lang="pt-BR" dirty="0">
-                <a:ea typeface="+mn-lt"/>
-                <a:cs typeface="+mn-lt"/>
-              </a:rPr>
-              <a:t>[</a:t>
-            </a:r>
-            <a:r>
-              <a:rPr lang="pt-BR" dirty="0" err="1">
-                <a:ea typeface="+mn-lt"/>
-                <a:cs typeface="+mn-lt"/>
-              </a:rPr>
-              <a:t>Playwright</a:t>
-            </a:r>
-            <a:r>
-              <a:rPr lang="pt-BR" dirty="0">
-                <a:ea typeface="+mn-lt"/>
-                <a:cs typeface="+mn-lt"/>
-              </a:rPr>
-              <a:t>] . </a:t>
-            </a:r>
-            <a:r>
-              <a:rPr lang="pt-BR" dirty="0" err="1">
-                <a:ea typeface="+mn-lt"/>
-                <a:cs typeface="+mn-lt"/>
-              </a:rPr>
-              <a:t>Playwright</a:t>
-            </a:r>
-            <a:r>
-              <a:rPr lang="pt-BR" dirty="0">
-                <a:ea typeface="+mn-lt"/>
-                <a:cs typeface="+mn-lt"/>
-              </a:rPr>
-              <a:t> </a:t>
-            </a:r>
-            <a:r>
-              <a:rPr lang="pt-BR" dirty="0" err="1">
-                <a:ea typeface="+mn-lt"/>
-                <a:cs typeface="+mn-lt"/>
-              </a:rPr>
-              <a:t>Documentation</a:t>
-            </a:r>
-            <a:r>
-              <a:rPr lang="pt-BR" dirty="0">
-                <a:ea typeface="+mn-lt"/>
-                <a:cs typeface="+mn-lt"/>
-              </a:rPr>
-              <a:t>. </a:t>
+              <a:rPr lang="pt-BR" dirty="0"/>
+              <a:t>[Vite] . Vite Documentation . </a:t>
             </a:r>
             <a:r>
               <a:rPr lang="pt-BR" dirty="0">
@@ -6889,9 +6844,9 @@
                 <a:cs typeface="+mn-lt"/>
                 <a:hlinkClick r:id="rId2"/>
               </a:rPr>
-              <a:t>https://playwright.dev/</a:t>
-            </a:r>
-            <a:endParaRPr lang="pt-BR">
+              <a:t>https://vitejs.dev/</a:t>
+            </a:r>
+            <a:endParaRPr lang="pt-BR" dirty="0">
               <a:ea typeface="+mn-lt"/>
               <a:cs typeface="+mn-lt"/>
             </a:endParaRPr>
@@ -6899,31 +6854,7 @@
           <a:p>
             <a:r>
               <a:rPr lang="pt-BR" dirty="0"/>
-              <a:t>[</a:t>
-            </a:r>
-            <a:r>
-              <a:rPr lang="pt-BR" err="1"/>
-              <a:t>Vitest</a:t>
-            </a:r>
-            <a:r>
-              <a:rPr lang="pt-BR" dirty="0"/>
-              <a:t>] . </a:t>
-            </a:r>
-            <a:r>
-              <a:rPr lang="pt-BR" err="1"/>
-              <a:t>Vitest</a:t>
-            </a:r>
-            <a:r>
-              <a:rPr lang="pt-BR" dirty="0"/>
-              <a:t> </a:t>
-            </a:r>
-            <a:r>
-              <a:rPr lang="pt-BR" err="1"/>
-              <a:t>Documentation</a:t>
-            </a:r>
-            <a:r>
-              <a:rPr lang="pt-BR" dirty="0"/>
-              <a:t> . </a:t>
+              <a:t>[Vitest] . Vitest Documentation . </a:t>
             </a:r>
             <a:r>
               <a:rPr lang="pt-BR" dirty="0">
@@ -6933,19 +6864,54 @@
               </a:rPr>
               <a:t>https://vitest.dev/</a:t>
             </a:r>
-          </a:p>
-          <a:p>
-            <a:r>
-              <a:rPr lang="pt-BR" dirty="0"/>
-              <a:t>[Vite] . Vite </a:t>
-            </a:r>
-            <a:r>
-              <a:rPr lang="pt-BR" dirty="0" err="1"/>
+            <a:r>
+              <a:rPr lang="pt-BR" dirty="0">
+                <a:ea typeface="+mn-lt"/>
+                <a:cs typeface="+mn-lt"/>
+              </a:rPr>
+              <a:t> </a:t>
+            </a:r>
+            <a:endParaRPr lang="pt-BR" dirty="0">
+              <a:ea typeface="+mn-lt"/>
+              <a:cs typeface="+mn-lt"/>
+              <a:hlinkClick r:id="rId2"/>
+            </a:endParaRPr>
+          </a:p>
+          <a:p>
+            <a:r>
+              <a:rPr lang="pt-BR" dirty="0">
+                <a:ea typeface="+mn-lt"/>
+                <a:cs typeface="+mn-lt"/>
+              </a:rPr>
+              <a:t>[Playwright] . </a:t>
+            </a:r>
+            <a:r>
+              <a:rPr lang="pt-BR" dirty="0" err="1">
+                <a:ea typeface="+mn-lt"/>
+                <a:cs typeface="+mn-lt"/>
+              </a:rPr>
+              <a:t>Playwright</a:t>
+            </a:r>
+            <a:r>
+              <a:rPr lang="pt-BR" dirty="0">
+                <a:ea typeface="+mn-lt"/>
+                <a:cs typeface="+mn-lt"/>
+              </a:rPr>
+              <a:t> </a:t>
+            </a:r>
+            <a:r>
+              <a:rPr lang="pt-BR" dirty="0" err="1">
+                <a:ea typeface="+mn-lt"/>
+                <a:cs typeface="+mn-lt"/>
+              </a:rPr>
               <a:t>Documentation</a:t>
             </a:r>
             <a:r>
-              <a:rPr lang="pt-BR" dirty="0"/>
-              <a:t> . </a:t>
+              <a:rPr lang="pt-BR" dirty="0">
+                <a:ea typeface="+mn-lt"/>
+                <a:cs typeface="+mn-lt"/>
+              </a:rPr>
+              <a:t>. </a:t>
             </a:r>
             <a:r>
               <a:rPr lang="pt-BR" dirty="0">
@@ -6953,21 +6919,20 @@
                 <a:cs typeface="+mn-lt"/>
                 <a:hlinkClick r:id="rId4"/>
               </a:rPr>
-              <a:t>https://vitejs.dev/</a:t>
+              <a:t>https://playwright.dev/</a:t>
+            </a:r>
+            <a:r>
+              <a:rPr lang="pt-BR" dirty="0">
+                <a:ea typeface="+mn-lt"/>
+                <a:cs typeface="+mn-lt"/>
+              </a:rPr>
+              <a:t> </a:t>
             </a:r>
           </a:p>
           <a:p>
             <a:r>
               <a:rPr lang="pt-BR" dirty="0"/>
-              <a:t>[</a:t>
-            </a:r>
-            <a:r>
-              <a:rPr lang="pt-BR" dirty="0" err="1"/>
-              <a:t>Bootstrap</a:t>
-            </a:r>
-            <a:r>
-              <a:rPr lang="pt-BR" dirty="0"/>
-              <a:t>] . </a:t>
+              <a:t>[Bootstrap] . </a:t>
             </a:r>
             <a:r>
               <a:rPr lang="pt-BR" dirty="0" err="1"/>
@@ -7071,6 +7036,36 @@
                 <a:hlinkClick r:id="rId7"/>
               </a:rPr>
               <a:t>https://kahlan.github.io/docs/</a:t>
+            </a:r>
+            <a:endParaRPr lang="pt-BR" dirty="0">
+              <a:ea typeface="+mn-lt"/>
+              <a:cs typeface="+mn-lt"/>
+              <a:hlinkClick r:id="rId6"/>
+            </a:endParaRPr>
+          </a:p>
+          <a:p>
+            <a:r>
+              <a:rPr lang="pt-BR" dirty="0"/>
+              <a:t>[</a:t>
+            </a:r>
+            <a:r>
+              <a:rPr lang="pt-BR" dirty="0">
+                <a:ea typeface="+mn-lt"/>
+                <a:cs typeface="+mn-lt"/>
+              </a:rPr>
+              <a:t>PHPStan] . PHPStan Documentation . </a:t>
+            </a:r>
+            <a:r>
+              <a:rPr lang="en-US" dirty="0">
+                <a:hlinkClick r:id="rId8"/>
+              </a:rPr>
+              <a:t>Getting Started | </a:t>
+            </a:r>
+            <a:r>
+              <a:rPr lang="en-US" dirty="0" err="1">
+                <a:hlinkClick r:id="rId8"/>
+              </a:rPr>
+              <a:t>PHPStan</a:t>
             </a:r>
             <a:endParaRPr lang="pt-BR" dirty="0">
               <a:ea typeface="+mn-lt"/>

--- a/Apresentacao.pptx
+++ b/Apresentacao.pptx
@@ -233,7 +233,7 @@
           <a:p>
             <a:fld id="{2581520D-BC9A-4B6C-9DDD-705A8C99DD3C}" type="datetimeFigureOut">
               <a:rPr lang="pt-BR" smtClean="0"/>
-              <a:t>24/04/2024</a:t>
+              <a:t>21/08/2024</a:t>
             </a:fld>
             <a:endParaRPr lang="pt-BR"/>
           </a:p>
@@ -411,7 +411,7 @@
           <a:p>
             <a:fld id="{22571BA1-2B4E-46BF-BD13-53D93C89A72F}" type="datetimeFigureOut">
               <a:rPr lang="pt-BR" noProof="0" smtClean="0"/>
-              <a:t>24/04/2024</a:t>
+              <a:t>21/08/2024</a:t>
             </a:fld>
             <a:endParaRPr lang="pt-BR" noProof="0"/>
           </a:p>
@@ -903,7 +903,7 @@
             <a:pPr rtl="0"/>
             <a:fld id="{10624919-4C34-4119-A05F-8BFC584E5F5E}" type="datetime1">
               <a:rPr lang="pt-BR" noProof="0" smtClean="0"/>
-              <a:t>24/04/2024</a:t>
+              <a:t>21/08/2024</a:t>
             </a:fld>
             <a:endParaRPr lang="pt-BR" noProof="0"/>
           </a:p>
@@ -1111,7 +1111,7 @@
             <a:pPr rtl="0"/>
             <a:fld id="{FB787A56-9751-4121-9D1C-726A6C282FF9}" type="datetime1">
               <a:rPr lang="pt-BR" noProof="0" smtClean="0"/>
-              <a:t>24/04/2024</a:t>
+              <a:t>21/08/2024</a:t>
             </a:fld>
             <a:endParaRPr lang="pt-BR" noProof="0"/>
           </a:p>
@@ -1323,7 +1323,7 @@
             <a:pPr rtl="0"/>
             <a:fld id="{58042DDC-7971-43C4-BC81-E859C0125F14}" type="datetime1">
               <a:rPr lang="pt-BR" noProof="0" smtClean="0"/>
-              <a:t>24/04/2024</a:t>
+              <a:t>21/08/2024</a:t>
             </a:fld>
             <a:endParaRPr lang="pt-BR" noProof="0"/>
           </a:p>
@@ -1521,7 +1521,7 @@
             <a:pPr rtl="0"/>
             <a:fld id="{ABEE2F5A-1745-4488-9F87-DF4EC4A83617}" type="datetime1">
               <a:rPr lang="pt-BR" noProof="0" smtClean="0"/>
-              <a:t>24/04/2024</a:t>
+              <a:t>21/08/2024</a:t>
             </a:fld>
             <a:endParaRPr lang="pt-BR" noProof="0"/>
           </a:p>
@@ -1798,7 +1798,7 @@
             <a:pPr rtl="0"/>
             <a:fld id="{CF31E744-D47E-40BB-AD73-C92F9FE48BFF}" type="datetime1">
               <a:rPr lang="pt-BR" noProof="0" smtClean="0"/>
-              <a:t>24/04/2024</a:t>
+              <a:t>21/08/2024</a:t>
             </a:fld>
             <a:endParaRPr lang="pt-BR" noProof="0"/>
           </a:p>
@@ -2062,7 +2062,7 @@
             <a:pPr rtl="0"/>
             <a:fld id="{0E16F1EC-6FFB-4D5C-9C23-2E3413C6CBF2}" type="datetime1">
               <a:rPr lang="pt-BR" noProof="0" smtClean="0"/>
-              <a:t>24/04/2024</a:t>
+              <a:t>21/08/2024</a:t>
             </a:fld>
             <a:endParaRPr lang="pt-BR" noProof="0"/>
           </a:p>
@@ -2474,7 +2474,7 @@
             <a:pPr rtl="0"/>
             <a:fld id="{8BD20E23-6EE4-49F7-B32D-5B7B5E21B84F}" type="datetime1">
               <a:rPr lang="pt-BR" noProof="0" smtClean="0"/>
-              <a:t>24/04/2024</a:t>
+              <a:t>21/08/2024</a:t>
             </a:fld>
             <a:endParaRPr lang="pt-BR" noProof="0"/>
           </a:p>
@@ -2621,7 +2621,7 @@
             <a:pPr rtl="0"/>
             <a:fld id="{7F8B8485-02B3-497A-A58B-E858C6BB4792}" type="datetime1">
               <a:rPr lang="pt-BR" noProof="0" smtClean="0"/>
-              <a:t>24/04/2024</a:t>
+              <a:t>21/08/2024</a:t>
             </a:fld>
             <a:endParaRPr lang="pt-BR" noProof="0"/>
           </a:p>
@@ -2745,7 +2745,7 @@
             <a:pPr rtl="0"/>
             <a:fld id="{276AA06B-93AD-480C-8A93-51E94ECE37ED}" type="datetime1">
               <a:rPr lang="pt-BR" noProof="0" smtClean="0"/>
-              <a:t>24/04/2024</a:t>
+              <a:t>21/08/2024</a:t>
             </a:fld>
             <a:endParaRPr lang="pt-BR" noProof="0"/>
           </a:p>
@@ -2993,7 +2993,7 @@
             <a:pPr rtl="0"/>
             <a:fld id="{C66CF29A-83A2-454C-8E99-488A078D65D5}" type="datetime1">
               <a:rPr lang="pt-BR" noProof="0" smtClean="0"/>
-              <a:t>24/04/2024</a:t>
+              <a:t>21/08/2024</a:t>
             </a:fld>
             <a:endParaRPr lang="pt-BR" noProof="0"/>
           </a:p>
@@ -3436,7 +3436,7 @@
             <a:pPr rtl="0"/>
             <a:fld id="{A9C9F688-EBA5-4CC9-BCB9-A9F4408BC60E}" type="datetime1">
               <a:rPr lang="pt-BR" noProof="0" smtClean="0"/>
-              <a:t>24/04/2024</a:t>
+              <a:t>21/08/2024</a:t>
             </a:fld>
             <a:endParaRPr lang="pt-BR" noProof="0"/>
           </a:p>
@@ -3760,7 +3760,7 @@
             <a:pPr rtl="0"/>
             <a:fld id="{1A15393A-0B41-4699-82CD-A3438F3C08A4}" type="datetime1">
               <a:rPr lang="pt-BR" noProof="0" smtClean="0"/>
-              <a:t>24/04/2024</a:t>
+              <a:t>21/08/2024</a:t>
             </a:fld>
             <a:endParaRPr lang="pt-BR" noProof="0"/>
           </a:p>
@@ -4292,7 +4292,7 @@
         </p:spPr>
         <p:txBody>
           <a:bodyPr vert="horz" lIns="91440" tIns="91440" rIns="91440" bIns="91440" rtlCol="0" anchor="t">
-            <a:normAutofit fontScale="92500" lnSpcReduction="20000"/>
+            <a:normAutofit/>
           </a:bodyPr>
           <a:lstStyle/>
           <a:p>
@@ -4304,7 +4304,7 @@
           <a:p>
             <a:r>
               <a:rPr lang="pt-BR" dirty="0"/>
-              <a:t>Alunos:</a:t>
+              <a:t>Aluno:</a:t>
             </a:r>
           </a:p>
           <a:p>
@@ -4317,22 +4317,6 @@
                 <a:hlinkClick r:id="rId3"/>
               </a:rPr>
               <a:t>Raul.fernandes@aluno.cefet-rj.br</a:t>
-            </a:r>
-            <a:r>
-              <a:rPr lang="pt-BR" dirty="0"/>
-              <a:t>) </a:t>
-            </a:r>
-          </a:p>
-          <a:p>
-            <a:r>
-              <a:rPr lang="pt-BR" dirty="0"/>
-              <a:t>Rodrigo Jorge (</a:t>
-            </a:r>
-            <a:r>
-              <a:rPr lang="pt-BR" dirty="0">
-                <a:hlinkClick r:id="rId4"/>
-              </a:rPr>
-              <a:t>rodrigo.zacharias@aluno.cefet-rj.br</a:t>
             </a:r>
             <a:r>
               <a:rPr lang="pt-BR" dirty="0"/>
@@ -5186,7 +5170,7 @@
       </p:cxnSp>
       <p:pic>
         <p:nvPicPr>
-          <p:cNvPr id="4" name="Picture 3" descr="A diagram of a data flow&#10;&#10;Description automatically generated">
+          <p:cNvPr id="4" name="Picture 3">
             <a:extLst>
               <a:ext uri="{FF2B5EF4-FFF2-40B4-BE49-F238E27FC236}">
                 <a16:creationId xmlns:a16="http://schemas.microsoft.com/office/drawing/2014/main" id="{1748EB3C-AA77-7D40-D081-037D6E67A114}"/>
@@ -5200,14 +5184,13 @@
         </p:nvPicPr>
         <p:blipFill>
           <a:blip r:embed="rId3"/>
-          <a:stretch>
-            <a:fillRect/>
-          </a:stretch>
+          <a:srcRect/>
+          <a:stretch/>
         </p:blipFill>
         <p:spPr>
           <a:xfrm>
-            <a:off x="5361049" y="1193021"/>
-            <a:ext cx="5343525" cy="3705225"/>
+            <a:off x="5241699" y="1193021"/>
+            <a:ext cx="5276701" cy="3705225"/>
           </a:xfrm>
           <a:prstGeom prst="rect">
             <a:avLst/>
@@ -7164,21 +7147,6 @@
                 <a:latin typeface="Segoe UI"/>
                 <a:cs typeface="Segoe UI"/>
                 <a:hlinkClick r:id="rId2"/>
-              </a:rPr>
-              <a:t>RODRIGO.ZACHARIAS@ALUNO.CEFET-RJ.BR</a:t>
-            </a:r>
-            <a:r>
-              <a:rPr lang="pt-BR" sz="1700" cap="all" dirty="0">
-                <a:latin typeface="Segoe UI"/>
-                <a:cs typeface="Segoe UI"/>
-              </a:rPr>
-              <a:t> E </a:t>
-            </a:r>
-            <a:r>
-              <a:rPr lang="pt-BR" sz="1700" cap="all" dirty="0">
-                <a:latin typeface="Segoe UI"/>
-                <a:cs typeface="Segoe UI"/>
-                <a:hlinkClick r:id="rId3"/>
               </a:rPr>
               <a:t>RAUL.FERNANDES@ALUNO.CEFET-RJ.BR</a:t>
             </a:r>

--- a/Apresentacao.pptx
+++ b/Apresentacao.pptx
@@ -6584,14 +6584,13 @@
         </p:nvPicPr>
         <p:blipFill>
           <a:blip r:embed="rId3"/>
-          <a:stretch>
-            <a:fillRect/>
-          </a:stretch>
+          <a:srcRect/>
+          <a:stretch/>
         </p:blipFill>
         <p:spPr>
           <a:xfrm>
-            <a:off x="4677895" y="1010107"/>
-            <a:ext cx="6157383" cy="4076294"/>
+            <a:off x="4916888" y="1010107"/>
+            <a:ext cx="5679397" cy="4076294"/>
           </a:xfrm>
           <a:prstGeom prst="rect">
             <a:avLst/>

--- a/Apresentacao.pptx
+++ b/Apresentacao.pptx
@@ -6589,8 +6589,8 @@
         </p:blipFill>
         <p:spPr>
           <a:xfrm>
-            <a:off x="4916888" y="1010107"/>
-            <a:ext cx="5679397" cy="4076294"/>
+            <a:off x="5564939" y="1010107"/>
+            <a:ext cx="4383295" cy="4076294"/>
           </a:xfrm>
           <a:prstGeom prst="rect">
             <a:avLst/>

--- a/Apresentacao.pptx
+++ b/Apresentacao.pptx
@@ -6589,8 +6589,8 @@
         </p:blipFill>
         <p:spPr>
           <a:xfrm>
-            <a:off x="5564939" y="1010107"/>
-            <a:ext cx="4383295" cy="4076294"/>
+            <a:off x="4524375" y="1171854"/>
+            <a:ext cx="6508741" cy="3743045"/>
           </a:xfrm>
           <a:prstGeom prst="rect">
             <a:avLst/>
